--- a/kết_quả_tìm_hiểu_Unity.pptx
+++ b/kết_quả_tìm_hiểu_Unity.pptx
@@ -263,7 +263,7 @@
           <a:p>
             <a:fld id="{141EE2EF-23B0-4D6F-9637-1F323C735B33}" type="datetimeFigureOut">
               <a:rPr lang="en-US" smtClean="0"/>
-              <a:t>3/18/2024</a:t>
+              <a:t>3/19/2024</a:t>
             </a:fld>
             <a:endParaRPr lang="en-US"/>
           </a:p>
@@ -433,7 +433,7 @@
           <a:p>
             <a:fld id="{141EE2EF-23B0-4D6F-9637-1F323C735B33}" type="datetimeFigureOut">
               <a:rPr lang="en-US" smtClean="0"/>
-              <a:t>3/18/2024</a:t>
+              <a:t>3/19/2024</a:t>
             </a:fld>
             <a:endParaRPr lang="en-US"/>
           </a:p>
@@ -613,7 +613,7 @@
           <a:p>
             <a:fld id="{141EE2EF-23B0-4D6F-9637-1F323C735B33}" type="datetimeFigureOut">
               <a:rPr lang="en-US" smtClean="0"/>
-              <a:t>3/18/2024</a:t>
+              <a:t>3/19/2024</a:t>
             </a:fld>
             <a:endParaRPr lang="en-US"/>
           </a:p>
@@ -783,7 +783,7 @@
           <a:p>
             <a:fld id="{141EE2EF-23B0-4D6F-9637-1F323C735B33}" type="datetimeFigureOut">
               <a:rPr lang="en-US" smtClean="0"/>
-              <a:t>3/18/2024</a:t>
+              <a:t>3/19/2024</a:t>
             </a:fld>
             <a:endParaRPr lang="en-US"/>
           </a:p>
@@ -1029,7 +1029,7 @@
           <a:p>
             <a:fld id="{141EE2EF-23B0-4D6F-9637-1F323C735B33}" type="datetimeFigureOut">
               <a:rPr lang="en-US" smtClean="0"/>
-              <a:t>3/18/2024</a:t>
+              <a:t>3/19/2024</a:t>
             </a:fld>
             <a:endParaRPr lang="en-US"/>
           </a:p>
@@ -1261,7 +1261,7 @@
           <a:p>
             <a:fld id="{141EE2EF-23B0-4D6F-9637-1F323C735B33}" type="datetimeFigureOut">
               <a:rPr lang="en-US" smtClean="0"/>
-              <a:t>3/18/2024</a:t>
+              <a:t>3/19/2024</a:t>
             </a:fld>
             <a:endParaRPr lang="en-US"/>
           </a:p>
@@ -1628,7 +1628,7 @@
           <a:p>
             <a:fld id="{141EE2EF-23B0-4D6F-9637-1F323C735B33}" type="datetimeFigureOut">
               <a:rPr lang="en-US" smtClean="0"/>
-              <a:t>3/18/2024</a:t>
+              <a:t>3/19/2024</a:t>
             </a:fld>
             <a:endParaRPr lang="en-US"/>
           </a:p>
@@ -1746,7 +1746,7 @@
           <a:p>
             <a:fld id="{141EE2EF-23B0-4D6F-9637-1F323C735B33}" type="datetimeFigureOut">
               <a:rPr lang="en-US" smtClean="0"/>
-              <a:t>3/18/2024</a:t>
+              <a:t>3/19/2024</a:t>
             </a:fld>
             <a:endParaRPr lang="en-US"/>
           </a:p>
@@ -1841,7 +1841,7 @@
           <a:p>
             <a:fld id="{141EE2EF-23B0-4D6F-9637-1F323C735B33}" type="datetimeFigureOut">
               <a:rPr lang="en-US" smtClean="0"/>
-              <a:t>3/18/2024</a:t>
+              <a:t>3/19/2024</a:t>
             </a:fld>
             <a:endParaRPr lang="en-US"/>
           </a:p>
@@ -2118,7 +2118,7 @@
           <a:p>
             <a:fld id="{141EE2EF-23B0-4D6F-9637-1F323C735B33}" type="datetimeFigureOut">
               <a:rPr lang="en-US" smtClean="0"/>
-              <a:t>3/18/2024</a:t>
+              <a:t>3/19/2024</a:t>
             </a:fld>
             <a:endParaRPr lang="en-US"/>
           </a:p>
@@ -2371,7 +2371,7 @@
           <a:p>
             <a:fld id="{141EE2EF-23B0-4D6F-9637-1F323C735B33}" type="datetimeFigureOut">
               <a:rPr lang="en-US" smtClean="0"/>
-              <a:t>3/18/2024</a:t>
+              <a:t>3/19/2024</a:t>
             </a:fld>
             <a:endParaRPr lang="en-US"/>
           </a:p>
@@ -2584,7 +2584,7 @@
           <a:p>
             <a:fld id="{141EE2EF-23B0-4D6F-9637-1F323C735B33}" type="datetimeFigureOut">
               <a:rPr lang="en-US" smtClean="0"/>
-              <a:t>3/18/2024</a:t>
+              <a:t>3/19/2024</a:t>
             </a:fld>
             <a:endParaRPr lang="en-US"/>
           </a:p>
@@ -3279,7 +3279,7 @@
             </a:r>
             <a:r>
               <a:rPr lang="en-US" dirty="0" err="1" smtClean="0"/>
-              <a:t>xme</a:t>
+              <a:t>xem</a:t>
             </a:r>
             <a:r>
               <a:rPr lang="en-US" dirty="0" smtClean="0"/>
@@ -4260,6 +4260,112 @@
           <a:bodyPr/>
           <a:lstStyle/>
           <a:p>
+            <a:r>
+              <a:rPr lang="en-US" dirty="0" err="1" smtClean="0"/>
+              <a:t>Giao</a:t>
+            </a:r>
+            <a:r>
+              <a:rPr lang="en-US" dirty="0" smtClean="0"/>
+              <a:t> </a:t>
+            </a:r>
+            <a:r>
+              <a:rPr lang="en-US" dirty="0" err="1" smtClean="0"/>
+              <a:t>diện</a:t>
+            </a:r>
+            <a:r>
+              <a:rPr lang="en-US" dirty="0" smtClean="0"/>
+              <a:t> </a:t>
+            </a:r>
+            <a:r>
+              <a:rPr lang="en-US" dirty="0" err="1" smtClean="0"/>
+              <a:t>trực</a:t>
+            </a:r>
+            <a:r>
+              <a:rPr lang="en-US" dirty="0" smtClean="0"/>
+              <a:t> </a:t>
+            </a:r>
+            <a:r>
+              <a:rPr lang="en-US" dirty="0" err="1" smtClean="0"/>
+              <a:t>quan</a:t>
+            </a:r>
+            <a:r>
+              <a:rPr lang="en-US" dirty="0" smtClean="0"/>
+              <a:t> </a:t>
+            </a:r>
+            <a:r>
+              <a:rPr lang="en-US" dirty="0" err="1" smtClean="0"/>
+              <a:t>dễ</a:t>
+            </a:r>
+            <a:r>
+              <a:rPr lang="en-US" dirty="0" smtClean="0"/>
+              <a:t> </a:t>
+            </a:r>
+            <a:r>
+              <a:rPr lang="en-US" dirty="0" err="1" smtClean="0"/>
+              <a:t>dàng</a:t>
+            </a:r>
+            <a:r>
+              <a:rPr lang="en-US" dirty="0" smtClean="0"/>
+              <a:t> </a:t>
+            </a:r>
+            <a:r>
+              <a:rPr lang="en-US" dirty="0" err="1" smtClean="0"/>
+              <a:t>tạo</a:t>
+            </a:r>
+            <a:r>
+              <a:rPr lang="en-US" dirty="0" smtClean="0"/>
+              <a:t> </a:t>
+            </a:r>
+            <a:r>
+              <a:rPr lang="en-US" dirty="0" err="1" smtClean="0"/>
+              <a:t>ra</a:t>
+            </a:r>
+            <a:r>
+              <a:rPr lang="en-US" dirty="0" smtClean="0"/>
+              <a:t> </a:t>
+            </a:r>
+            <a:r>
+              <a:rPr lang="en-US" dirty="0" err="1" smtClean="0"/>
+              <a:t>các</a:t>
+            </a:r>
+            <a:r>
+              <a:rPr lang="en-US" dirty="0" smtClean="0"/>
+              <a:t> Component</a:t>
+            </a:r>
+          </a:p>
+          <a:p>
+            <a:r>
+              <a:rPr lang="en-US" dirty="0" err="1" smtClean="0"/>
+              <a:t>Tiết</a:t>
+            </a:r>
+            <a:r>
+              <a:rPr lang="en-US" dirty="0" smtClean="0"/>
+              <a:t> </a:t>
+            </a:r>
+            <a:r>
+              <a:rPr lang="en-US" dirty="0" err="1" smtClean="0"/>
+              <a:t>kiệm</a:t>
+            </a:r>
+            <a:r>
+              <a:rPr lang="en-US" dirty="0" smtClean="0"/>
+              <a:t> </a:t>
+            </a:r>
+            <a:r>
+              <a:rPr lang="en-US" dirty="0" err="1" smtClean="0"/>
+              <a:t>thời</a:t>
+            </a:r>
+            <a:r>
+              <a:rPr lang="en-US" dirty="0" smtClean="0"/>
+              <a:t> </a:t>
+            </a:r>
+            <a:r>
+              <a:rPr lang="en-US" dirty="0" err="1" smtClean="0"/>
+              <a:t>gian</a:t>
+            </a:r>
+            <a:r>
+              <a:rPr lang="en-US" dirty="0" smtClean="0"/>
+              <a:t> dev game</a:t>
+            </a:r>
             <a:endParaRPr lang="en-US" dirty="0"/>
           </a:p>
         </p:txBody>
@@ -4450,13 +4556,17 @@
             </a:r>
             <a:r>
               <a:rPr lang="en-US" dirty="0" smtClean="0"/>
-              <a:t>	https</a:t>
-            </a:r>
-            <a:r>
-              <a:rPr lang="en-US" dirty="0"/>
+              <a:t>	</a:t>
+            </a:r>
+            <a:r>
+              <a:rPr lang="en-US" sz="2400" dirty="0" smtClean="0"/>
+              <a:t>https</a:t>
+            </a:r>
+            <a:r>
+              <a:rPr lang="en-US" sz="2400" dirty="0"/>
               <a:t>://assetstore.unity.com/</a:t>
             </a:r>
-            <a:endParaRPr lang="en-US" dirty="0" smtClean="0"/>
+            <a:endParaRPr lang="en-US" sz="2400" dirty="0" smtClean="0"/>
           </a:p>
           <a:p>
             <a:pPr marL="0" indent="0">
@@ -4488,25 +4598,21 @@
             </a:r>
             <a:r>
               <a:rPr lang="en-US" dirty="0" smtClean="0"/>
-              <a:t>:</a:t>
-            </a:r>
-            <a:r>
-              <a:rPr lang="en-US" dirty="0" smtClean="0"/>
-              <a:t> </a:t>
-            </a:r>
-            <a:r>
-              <a:rPr lang="en-US" dirty="0">
+              <a:t>: </a:t>
+            </a:r>
+            <a:r>
+              <a:rPr lang="en-US" sz="2400" dirty="0">
                 <a:hlinkClick r:id="rId2"/>
               </a:rPr>
               <a:t>https://</a:t>
             </a:r>
             <a:r>
-              <a:rPr lang="en-US" dirty="0" smtClean="0">
+              <a:rPr lang="en-US" sz="2400" dirty="0" smtClean="0">
                 <a:hlinkClick r:id="rId2"/>
               </a:rPr>
               <a:t>forum.unity.com/</a:t>
             </a:r>
-            <a:endParaRPr lang="en-US" dirty="0" smtClean="0"/>
+            <a:endParaRPr lang="en-US" sz="2400" dirty="0" smtClean="0"/>
           </a:p>
           <a:p>
             <a:pPr marL="0" indent="0">
@@ -4552,13 +4658,25 @@
             </a:pPr>
             <a:r>
               <a:rPr lang="en-US" dirty="0" smtClean="0"/>
-              <a:t>	https</a:t>
+              <a:t>	</a:t>
+            </a:r>
+            <a:r>
+              <a:rPr lang="en-US" sz="2400" dirty="0" smtClean="0"/>
+              <a:t>https</a:t>
+            </a:r>
+            <a:r>
+              <a:rPr lang="en-US" sz="2400" dirty="0"/>
+              <a:t>://docs.unity3d.com/Manual/index.html</a:t>
             </a:r>
             <a:r>
               <a:rPr lang="en-US" dirty="0"/>
-              <a:t>://docs.unity3d.com/Manual/index.html	https://docs.unity3d.com/ScriptReference/index.html</a:t>
-            </a:r>
-            <a:endParaRPr lang="en-US" dirty="0" smtClean="0"/>
+              <a:t>	</a:t>
+            </a:r>
+            <a:r>
+              <a:rPr lang="en-US" sz="2400" dirty="0"/>
+              <a:t>https://docs.unity3d.com/ScriptReference/index.html</a:t>
+            </a:r>
+            <a:endParaRPr lang="en-US" sz="2400" dirty="0" smtClean="0"/>
           </a:p>
           <a:p>
             <a:r>

--- a/kết_quả_tìm_hiểu_Unity.pptx
+++ b/kết_quả_tìm_hiểu_Unity.pptx
@@ -8,24 +8,26 @@
     <p:sldId id="272" r:id="rId2"/>
     <p:sldId id="273" r:id="rId3"/>
     <p:sldId id="268" r:id="rId4"/>
-    <p:sldId id="269" r:id="rId5"/>
-    <p:sldId id="270" r:id="rId6"/>
-    <p:sldId id="256" r:id="rId7"/>
-    <p:sldId id="257" r:id="rId8"/>
-    <p:sldId id="274" r:id="rId9"/>
-    <p:sldId id="258" r:id="rId10"/>
-    <p:sldId id="259" r:id="rId11"/>
-    <p:sldId id="260" r:id="rId12"/>
-    <p:sldId id="261" r:id="rId13"/>
-    <p:sldId id="262" r:id="rId14"/>
-    <p:sldId id="265" r:id="rId15"/>
-    <p:sldId id="263" r:id="rId16"/>
-    <p:sldId id="264" r:id="rId17"/>
-    <p:sldId id="266" r:id="rId18"/>
-    <p:sldId id="276" r:id="rId19"/>
-    <p:sldId id="271" r:id="rId20"/>
-    <p:sldId id="275" r:id="rId21"/>
-    <p:sldId id="267" r:id="rId22"/>
+    <p:sldId id="278" r:id="rId5"/>
+    <p:sldId id="269" r:id="rId6"/>
+    <p:sldId id="270" r:id="rId7"/>
+    <p:sldId id="256" r:id="rId8"/>
+    <p:sldId id="257" r:id="rId9"/>
+    <p:sldId id="277" r:id="rId10"/>
+    <p:sldId id="274" r:id="rId11"/>
+    <p:sldId id="258" r:id="rId12"/>
+    <p:sldId id="259" r:id="rId13"/>
+    <p:sldId id="260" r:id="rId14"/>
+    <p:sldId id="261" r:id="rId15"/>
+    <p:sldId id="262" r:id="rId16"/>
+    <p:sldId id="265" r:id="rId17"/>
+    <p:sldId id="263" r:id="rId18"/>
+    <p:sldId id="264" r:id="rId19"/>
+    <p:sldId id="266" r:id="rId20"/>
+    <p:sldId id="276" r:id="rId21"/>
+    <p:sldId id="271" r:id="rId22"/>
+    <p:sldId id="275" r:id="rId23"/>
+    <p:sldId id="267" r:id="rId24"/>
   </p:sldIdLst>
   <p:sldSz cx="12192000" cy="6858000"/>
   <p:notesSz cx="6858000" cy="9144000"/>
@@ -3097,6 +3099,1402 @@
           <a:p>
             <a:r>
               <a:rPr lang="en-US" dirty="0" err="1" smtClean="0"/>
+              <a:t>Các</a:t>
+            </a:r>
+            <a:r>
+              <a:rPr lang="en-US" dirty="0" smtClean="0"/>
+              <a:t> </a:t>
+            </a:r>
+            <a:r>
+              <a:rPr lang="en-US" dirty="0" err="1" smtClean="0"/>
+              <a:t>tính</a:t>
+            </a:r>
+            <a:r>
+              <a:rPr lang="en-US" dirty="0" smtClean="0"/>
+              <a:t> </a:t>
+            </a:r>
+            <a:r>
+              <a:rPr lang="en-US" dirty="0" err="1" smtClean="0"/>
+              <a:t>năng</a:t>
+            </a:r>
+            <a:r>
+              <a:rPr lang="en-US" dirty="0" smtClean="0"/>
+              <a:t> </a:t>
+            </a:r>
+            <a:r>
+              <a:rPr lang="en-US" dirty="0" err="1" smtClean="0"/>
+              <a:t>cơ</a:t>
+            </a:r>
+            <a:r>
+              <a:rPr lang="en-US" dirty="0" smtClean="0"/>
+              <a:t> </a:t>
+            </a:r>
+            <a:r>
+              <a:rPr lang="en-US" dirty="0" err="1" smtClean="0"/>
+              <a:t>bản</a:t>
+            </a:r>
+            <a:r>
+              <a:rPr lang="en-US" dirty="0" smtClean="0"/>
+              <a:t> </a:t>
+            </a:r>
+            <a:r>
+              <a:rPr lang="en-US" dirty="0" err="1" smtClean="0"/>
+              <a:t>của</a:t>
+            </a:r>
+            <a:r>
+              <a:rPr lang="en-US" dirty="0" smtClean="0"/>
+              <a:t> Unity</a:t>
+            </a:r>
+            <a:endParaRPr lang="en-US" dirty="0"/>
+          </a:p>
+        </p:txBody>
+      </p:sp>
+      <p:sp>
+        <p:nvSpPr>
+          <p:cNvPr id="3" name="Content Placeholder 2"/>
+          <p:cNvSpPr>
+            <a:spLocks noGrp="1"/>
+          </p:cNvSpPr>
+          <p:nvPr>
+            <p:ph idx="1"/>
+          </p:nvPr>
+        </p:nvSpPr>
+        <p:spPr/>
+        <p:txBody>
+          <a:bodyPr/>
+          <a:lstStyle/>
+          <a:p>
+            <a:r>
+              <a:rPr lang="en-US" dirty="0" err="1" smtClean="0"/>
+              <a:t>Tạo</a:t>
+            </a:r>
+            <a:r>
+              <a:rPr lang="en-US" dirty="0" smtClean="0"/>
+              <a:t> </a:t>
+            </a:r>
+            <a:r>
+              <a:rPr lang="en-US" dirty="0" err="1" smtClean="0"/>
+              <a:t>giao</a:t>
+            </a:r>
+            <a:r>
+              <a:rPr lang="en-US" dirty="0" smtClean="0"/>
+              <a:t> </a:t>
+            </a:r>
+            <a:r>
+              <a:rPr lang="en-US" dirty="0" err="1" smtClean="0"/>
+              <a:t>diện</a:t>
+            </a:r>
+            <a:r>
+              <a:rPr lang="en-US" dirty="0" smtClean="0"/>
+              <a:t> UI </a:t>
+            </a:r>
+            <a:r>
+              <a:rPr lang="en-US" dirty="0" err="1" smtClean="0"/>
+              <a:t>cho</a:t>
+            </a:r>
+            <a:r>
+              <a:rPr lang="en-US" dirty="0" smtClean="0"/>
+              <a:t> game, </a:t>
+            </a:r>
+            <a:r>
+              <a:rPr lang="en-US" dirty="0" err="1" smtClean="0"/>
+              <a:t>tạo</a:t>
+            </a:r>
+            <a:r>
+              <a:rPr lang="en-US" dirty="0" smtClean="0"/>
+              <a:t> drop bar, textbox, …</a:t>
+            </a:r>
+          </a:p>
+          <a:p>
+            <a:r>
+              <a:rPr lang="en-US" dirty="0" err="1" smtClean="0"/>
+              <a:t>Hiển</a:t>
+            </a:r>
+            <a:r>
+              <a:rPr lang="en-US" dirty="0" smtClean="0"/>
+              <a:t> </a:t>
+            </a:r>
+            <a:r>
+              <a:rPr lang="en-US" dirty="0" err="1" smtClean="0"/>
+              <a:t>thị</a:t>
+            </a:r>
+            <a:r>
+              <a:rPr lang="en-US" dirty="0" smtClean="0"/>
+              <a:t> </a:t>
+            </a:r>
+            <a:r>
+              <a:rPr lang="en-US" dirty="0" err="1" smtClean="0"/>
+              <a:t>mô</a:t>
+            </a:r>
+            <a:r>
+              <a:rPr lang="en-US" dirty="0" smtClean="0"/>
+              <a:t> </a:t>
+            </a:r>
+            <a:r>
+              <a:rPr lang="en-US" dirty="0" err="1" smtClean="0"/>
+              <a:t>hình</a:t>
+            </a:r>
+            <a:r>
+              <a:rPr lang="en-US" dirty="0" smtClean="0"/>
+              <a:t> </a:t>
+            </a:r>
+            <a:r>
+              <a:rPr lang="en-US" dirty="0" err="1" smtClean="0"/>
+              <a:t>dạng</a:t>
+            </a:r>
+            <a:r>
+              <a:rPr lang="en-US" dirty="0" smtClean="0"/>
+              <a:t> 2D, 3D – </a:t>
+            </a:r>
+            <a:r>
+              <a:rPr lang="en-US" dirty="0" err="1" smtClean="0"/>
+              <a:t>hệ</a:t>
+            </a:r>
+            <a:r>
+              <a:rPr lang="en-US" dirty="0" smtClean="0"/>
+              <a:t> </a:t>
+            </a:r>
+            <a:r>
+              <a:rPr lang="en-US" dirty="0" err="1" smtClean="0"/>
+              <a:t>thống</a:t>
+            </a:r>
+            <a:r>
+              <a:rPr lang="en-US" dirty="0" smtClean="0"/>
+              <a:t> </a:t>
+            </a:r>
+            <a:r>
+              <a:rPr lang="en-US" dirty="0" err="1" smtClean="0"/>
+              <a:t>vật</a:t>
+            </a:r>
+            <a:r>
+              <a:rPr lang="en-US" dirty="0" smtClean="0"/>
+              <a:t> </a:t>
+            </a:r>
+            <a:r>
+              <a:rPr lang="en-US" dirty="0" err="1" smtClean="0"/>
+              <a:t>lý</a:t>
+            </a:r>
+            <a:r>
+              <a:rPr lang="en-US" dirty="0" smtClean="0"/>
+              <a:t> 2D, 3D</a:t>
+            </a:r>
+          </a:p>
+          <a:p>
+            <a:r>
+              <a:rPr lang="en-US" dirty="0" err="1" smtClean="0"/>
+              <a:t>Hỗ</a:t>
+            </a:r>
+            <a:r>
+              <a:rPr lang="en-US" dirty="0" smtClean="0"/>
+              <a:t> </a:t>
+            </a:r>
+            <a:r>
+              <a:rPr lang="en-US" dirty="0" err="1" smtClean="0"/>
+              <a:t>trợ</a:t>
+            </a:r>
+            <a:r>
+              <a:rPr lang="en-US" dirty="0" smtClean="0"/>
+              <a:t> </a:t>
+            </a:r>
+            <a:r>
+              <a:rPr lang="en-US" dirty="0" err="1" smtClean="0"/>
+              <a:t>tạo</a:t>
+            </a:r>
+            <a:r>
+              <a:rPr lang="en-US" dirty="0" smtClean="0"/>
+              <a:t> </a:t>
+            </a:r>
+            <a:r>
+              <a:rPr lang="en-US" dirty="0" err="1" smtClean="0"/>
+              <a:t>ra</a:t>
+            </a:r>
+            <a:r>
+              <a:rPr lang="en-US" dirty="0" smtClean="0"/>
+              <a:t> </a:t>
+            </a:r>
+            <a:r>
+              <a:rPr lang="en-US" dirty="0" err="1" smtClean="0"/>
+              <a:t>các</a:t>
+            </a:r>
+            <a:r>
+              <a:rPr lang="en-US" dirty="0" smtClean="0"/>
+              <a:t> </a:t>
+            </a:r>
+            <a:r>
+              <a:rPr lang="en-US" dirty="0" err="1" smtClean="0"/>
+              <a:t>tựa</a:t>
+            </a:r>
+            <a:r>
+              <a:rPr lang="en-US" dirty="0" smtClean="0"/>
+              <a:t> game </a:t>
+            </a:r>
+            <a:r>
+              <a:rPr lang="en-US" dirty="0" err="1" smtClean="0"/>
+              <a:t>đa</a:t>
+            </a:r>
+            <a:r>
+              <a:rPr lang="en-US" dirty="0" smtClean="0"/>
+              <a:t> </a:t>
+            </a:r>
+            <a:r>
+              <a:rPr lang="en-US" dirty="0" err="1" smtClean="0"/>
+              <a:t>người</a:t>
+            </a:r>
+            <a:r>
+              <a:rPr lang="en-US" dirty="0" smtClean="0"/>
+              <a:t> </a:t>
+            </a:r>
+            <a:r>
+              <a:rPr lang="en-US" dirty="0" err="1" smtClean="0"/>
+              <a:t>chơi</a:t>
+            </a:r>
+            <a:r>
+              <a:rPr lang="en-US" dirty="0" smtClean="0"/>
+              <a:t> </a:t>
+            </a:r>
+            <a:r>
+              <a:rPr lang="en-US" dirty="0" err="1" smtClean="0"/>
+              <a:t>cùng</a:t>
+            </a:r>
+            <a:r>
+              <a:rPr lang="en-US" dirty="0" smtClean="0"/>
+              <a:t> </a:t>
+            </a:r>
+            <a:r>
+              <a:rPr lang="en-US" dirty="0" err="1" smtClean="0"/>
+              <a:t>lúc</a:t>
+            </a:r>
+            <a:endParaRPr lang="en-US" dirty="0" smtClean="0"/>
+          </a:p>
+          <a:p>
+            <a:r>
+              <a:rPr lang="en-US" dirty="0" err="1" smtClean="0"/>
+              <a:t>Trang</a:t>
+            </a:r>
+            <a:r>
+              <a:rPr lang="en-US" dirty="0" smtClean="0"/>
+              <a:t> </a:t>
+            </a:r>
+            <a:r>
+              <a:rPr lang="en-US" dirty="0" err="1" smtClean="0"/>
+              <a:t>bị</a:t>
+            </a:r>
+            <a:r>
+              <a:rPr lang="en-US" dirty="0" smtClean="0"/>
+              <a:t> </a:t>
+            </a:r>
+            <a:r>
+              <a:rPr lang="en-US" dirty="0" err="1" smtClean="0"/>
+              <a:t>các</a:t>
+            </a:r>
+            <a:r>
+              <a:rPr lang="en-US" dirty="0" smtClean="0"/>
+              <a:t> </a:t>
+            </a:r>
+            <a:r>
+              <a:rPr lang="en-US" dirty="0" err="1" smtClean="0"/>
+              <a:t>nền</a:t>
+            </a:r>
+            <a:r>
+              <a:rPr lang="en-US" dirty="0" smtClean="0"/>
+              <a:t> </a:t>
+            </a:r>
+            <a:r>
+              <a:rPr lang="en-US" dirty="0" err="1" smtClean="0"/>
+              <a:t>tảng</a:t>
+            </a:r>
+            <a:r>
+              <a:rPr lang="en-US" dirty="0" smtClean="0"/>
+              <a:t> </a:t>
+            </a:r>
+            <a:r>
+              <a:rPr lang="en-US" dirty="0" err="1" smtClean="0"/>
+              <a:t>công</a:t>
+            </a:r>
+            <a:r>
+              <a:rPr lang="en-US" dirty="0" smtClean="0"/>
+              <a:t> </a:t>
+            </a:r>
+            <a:r>
+              <a:rPr lang="en-US" dirty="0" err="1" smtClean="0"/>
+              <a:t>nghệ</a:t>
+            </a:r>
+            <a:r>
+              <a:rPr lang="en-US" dirty="0" smtClean="0"/>
+              <a:t> </a:t>
+            </a:r>
+            <a:r>
+              <a:rPr lang="en-US" dirty="0" err="1" smtClean="0"/>
+              <a:t>mới</a:t>
+            </a:r>
+            <a:r>
+              <a:rPr lang="en-US" dirty="0" smtClean="0"/>
+              <a:t> </a:t>
+            </a:r>
+            <a:r>
+              <a:rPr lang="en-US" dirty="0" err="1" smtClean="0"/>
+              <a:t>như</a:t>
+            </a:r>
+            <a:r>
+              <a:rPr lang="en-US" dirty="0"/>
+              <a:t> </a:t>
+            </a:r>
+            <a:r>
+              <a:rPr lang="en-US" dirty="0" err="1" smtClean="0"/>
+              <a:t>thực</a:t>
+            </a:r>
+            <a:r>
+              <a:rPr lang="en-US" dirty="0" smtClean="0"/>
+              <a:t> </a:t>
+            </a:r>
+            <a:r>
+              <a:rPr lang="en-US" dirty="0" err="1" smtClean="0"/>
+              <a:t>tế</a:t>
+            </a:r>
+            <a:r>
+              <a:rPr lang="en-US" dirty="0" smtClean="0"/>
+              <a:t> tang </a:t>
+            </a:r>
+            <a:r>
+              <a:rPr lang="en-US" dirty="0" err="1" smtClean="0"/>
+              <a:t>cường</a:t>
+            </a:r>
+            <a:r>
+              <a:rPr lang="en-US" dirty="0" smtClean="0"/>
+              <a:t> AR hay </a:t>
+            </a:r>
+            <a:r>
+              <a:rPr lang="en-US" dirty="0" err="1" smtClean="0"/>
+              <a:t>công</a:t>
+            </a:r>
+            <a:r>
+              <a:rPr lang="en-US" dirty="0" smtClean="0"/>
+              <a:t> </a:t>
+            </a:r>
+            <a:r>
+              <a:rPr lang="en-US" dirty="0" err="1" smtClean="0"/>
+              <a:t>nghệ</a:t>
+            </a:r>
+            <a:r>
+              <a:rPr lang="en-US" dirty="0" smtClean="0"/>
+              <a:t> </a:t>
+            </a:r>
+            <a:r>
+              <a:rPr lang="en-US" dirty="0" err="1" smtClean="0"/>
+              <a:t>thực</a:t>
+            </a:r>
+            <a:r>
+              <a:rPr lang="en-US" dirty="0" smtClean="0"/>
+              <a:t> </a:t>
+            </a:r>
+            <a:r>
+              <a:rPr lang="en-US" dirty="0" err="1" smtClean="0"/>
+              <a:t>tế</a:t>
+            </a:r>
+            <a:r>
+              <a:rPr lang="en-US" dirty="0" smtClean="0"/>
+              <a:t> </a:t>
+            </a:r>
+            <a:r>
+              <a:rPr lang="en-US" dirty="0" err="1" smtClean="0"/>
+              <a:t>ảo</a:t>
+            </a:r>
+            <a:r>
+              <a:rPr lang="en-US" dirty="0" smtClean="0"/>
+              <a:t> VR</a:t>
+            </a:r>
+          </a:p>
+          <a:p>
+            <a:r>
+              <a:rPr lang="en-US" dirty="0" err="1" smtClean="0"/>
+              <a:t>Hỗ</a:t>
+            </a:r>
+            <a:r>
+              <a:rPr lang="en-US" dirty="0" smtClean="0"/>
+              <a:t> </a:t>
+            </a:r>
+            <a:r>
+              <a:rPr lang="en-US" dirty="0" err="1" smtClean="0"/>
+              <a:t>trợ</a:t>
+            </a:r>
+            <a:r>
+              <a:rPr lang="en-US" dirty="0" smtClean="0"/>
+              <a:t> </a:t>
+            </a:r>
+            <a:r>
+              <a:rPr lang="en-US" dirty="0" err="1" smtClean="0"/>
+              <a:t>hiển</a:t>
+            </a:r>
+            <a:r>
+              <a:rPr lang="en-US" dirty="0" smtClean="0"/>
+              <a:t> </a:t>
+            </a:r>
+            <a:r>
+              <a:rPr lang="en-US" dirty="0" err="1" smtClean="0"/>
+              <a:t>thị</a:t>
+            </a:r>
+            <a:r>
+              <a:rPr lang="en-US" dirty="0" smtClean="0"/>
+              <a:t> </a:t>
+            </a:r>
+            <a:r>
+              <a:rPr lang="en-US" dirty="0" err="1" smtClean="0"/>
+              <a:t>các</a:t>
+            </a:r>
+            <a:r>
+              <a:rPr lang="en-US" dirty="0" smtClean="0"/>
+              <a:t> font </a:t>
+            </a:r>
+            <a:r>
+              <a:rPr lang="en-US" dirty="0" err="1" smtClean="0"/>
+              <a:t>chữ</a:t>
+            </a:r>
+            <a:r>
+              <a:rPr lang="en-US" dirty="0" smtClean="0"/>
+              <a:t> </a:t>
+            </a:r>
+            <a:r>
+              <a:rPr lang="en-US" dirty="0" err="1" smtClean="0"/>
+              <a:t>đặc</a:t>
+            </a:r>
+            <a:r>
+              <a:rPr lang="en-US" dirty="0" smtClean="0"/>
+              <a:t> </a:t>
+            </a:r>
+            <a:r>
+              <a:rPr lang="en-US" dirty="0" err="1" smtClean="0"/>
+              <a:t>biệt</a:t>
+            </a:r>
+            <a:endParaRPr lang="en-US" dirty="0" smtClean="0"/>
+          </a:p>
+          <a:p>
+            <a:r>
+              <a:rPr lang="en-US" dirty="0" err="1" smtClean="0"/>
+              <a:t>Hỗ</a:t>
+            </a:r>
+            <a:r>
+              <a:rPr lang="en-US" dirty="0" smtClean="0"/>
+              <a:t> </a:t>
+            </a:r>
+            <a:r>
+              <a:rPr lang="en-US" dirty="0" err="1" smtClean="0"/>
+              <a:t>trợ</a:t>
+            </a:r>
+            <a:r>
+              <a:rPr lang="en-US" dirty="0" smtClean="0"/>
+              <a:t> bot AI – </a:t>
+            </a:r>
+            <a:r>
+              <a:rPr lang="en-US" dirty="0" err="1" smtClean="0"/>
+              <a:t>trí</a:t>
+            </a:r>
+            <a:r>
+              <a:rPr lang="en-US" dirty="0" smtClean="0"/>
+              <a:t> </a:t>
+            </a:r>
+            <a:r>
+              <a:rPr lang="en-US" dirty="0" err="1" smtClean="0"/>
+              <a:t>tuệ</a:t>
+            </a:r>
+            <a:r>
+              <a:rPr lang="en-US" dirty="0" smtClean="0"/>
+              <a:t> </a:t>
+            </a:r>
+            <a:r>
+              <a:rPr lang="en-US" dirty="0" err="1" smtClean="0"/>
+              <a:t>nhận</a:t>
+            </a:r>
+            <a:r>
+              <a:rPr lang="en-US" dirty="0" smtClean="0"/>
+              <a:t> </a:t>
+            </a:r>
+            <a:r>
+              <a:rPr lang="en-US" dirty="0" err="1" smtClean="0"/>
+              <a:t>tạo</a:t>
+            </a:r>
+            <a:r>
+              <a:rPr lang="en-US" dirty="0" smtClean="0"/>
+              <a:t> </a:t>
+            </a:r>
+            <a:r>
+              <a:rPr lang="en-US" dirty="0" err="1" smtClean="0"/>
+              <a:t>trong</a:t>
+            </a:r>
+            <a:r>
+              <a:rPr lang="en-US" dirty="0" smtClean="0"/>
+              <a:t> </a:t>
+            </a:r>
+            <a:r>
+              <a:rPr lang="en-US" dirty="0" err="1" smtClean="0"/>
+              <a:t>màn</a:t>
+            </a:r>
+            <a:r>
+              <a:rPr lang="en-US" dirty="0" smtClean="0"/>
+              <a:t> </a:t>
+            </a:r>
+            <a:r>
+              <a:rPr lang="en-US" dirty="0" err="1" smtClean="0"/>
+              <a:t>hình</a:t>
+            </a:r>
+            <a:r>
+              <a:rPr lang="en-US" dirty="0" smtClean="0"/>
+              <a:t> game</a:t>
+            </a:r>
+            <a:endParaRPr lang="en-US" dirty="0"/>
+          </a:p>
+        </p:txBody>
+      </p:sp>
+    </p:spTree>
+    <p:extLst>
+      <p:ext uri="{BB962C8B-B14F-4D97-AF65-F5344CB8AC3E}">
+        <p14:creationId xmlns:p14="http://schemas.microsoft.com/office/powerpoint/2010/main" val="1766954733"/>
+      </p:ext>
+    </p:extLst>
+  </p:cSld>
+  <p:clrMapOvr>
+    <a:masterClrMapping/>
+  </p:clrMapOvr>
+</p:sld>
+</file>
+
+<file path=ppt/slides/slide11.xml><?xml version="1.0" encoding="utf-8"?>
+<p:sld xmlns:a="http://schemas.openxmlformats.org/drawingml/2006/main" xmlns:r="http://schemas.openxmlformats.org/officeDocument/2006/relationships" xmlns:p="http://schemas.openxmlformats.org/presentationml/2006/main">
+  <p:cSld>
+    <p:spTree>
+      <p:nvGrpSpPr>
+        <p:cNvPr id="1" name=""/>
+        <p:cNvGrpSpPr/>
+        <p:nvPr/>
+      </p:nvGrpSpPr>
+      <p:grpSpPr>
+        <a:xfrm>
+          <a:off x="0" y="0"/>
+          <a:ext cx="0" cy="0"/>
+          <a:chOff x="0" y="0"/>
+          <a:chExt cx="0" cy="0"/>
+        </a:xfrm>
+      </p:grpSpPr>
+      <p:sp>
+        <p:nvSpPr>
+          <p:cNvPr id="2" name="Title 1"/>
+          <p:cNvSpPr>
+            <a:spLocks noGrp="1"/>
+          </p:cNvSpPr>
+          <p:nvPr>
+            <p:ph type="title"/>
+          </p:nvPr>
+        </p:nvSpPr>
+        <p:spPr/>
+        <p:txBody>
+          <a:bodyPr/>
+          <a:lstStyle/>
+          <a:p>
+            <a:r>
+              <a:rPr lang="en-US" dirty="0" err="1" smtClean="0"/>
+              <a:t>Các</a:t>
+            </a:r>
+            <a:r>
+              <a:rPr lang="en-US" dirty="0" smtClean="0"/>
+              <a:t> </a:t>
+            </a:r>
+            <a:r>
+              <a:rPr lang="en-US" dirty="0" err="1" smtClean="0"/>
+              <a:t>khái</a:t>
+            </a:r>
+            <a:r>
+              <a:rPr lang="en-US" dirty="0" smtClean="0"/>
+              <a:t> </a:t>
+            </a:r>
+            <a:r>
+              <a:rPr lang="en-US" dirty="0" err="1" smtClean="0"/>
+              <a:t>niệm</a:t>
+            </a:r>
+            <a:r>
+              <a:rPr lang="en-US" dirty="0" smtClean="0"/>
+              <a:t> </a:t>
+            </a:r>
+            <a:r>
+              <a:rPr lang="en-US" dirty="0" err="1" smtClean="0"/>
+              <a:t>cơ</a:t>
+            </a:r>
+            <a:r>
+              <a:rPr lang="en-US" dirty="0" smtClean="0"/>
+              <a:t> </a:t>
+            </a:r>
+            <a:r>
+              <a:rPr lang="en-US" dirty="0" err="1" smtClean="0"/>
+              <a:t>bản</a:t>
+            </a:r>
+            <a:r>
+              <a:rPr lang="en-US" dirty="0" smtClean="0"/>
+              <a:t> </a:t>
+            </a:r>
+            <a:r>
+              <a:rPr lang="en-US" dirty="0" err="1" smtClean="0"/>
+              <a:t>trong</a:t>
+            </a:r>
+            <a:r>
+              <a:rPr lang="en-US" dirty="0" smtClean="0"/>
+              <a:t> Unity</a:t>
+            </a:r>
+            <a:endParaRPr lang="en-US" dirty="0"/>
+          </a:p>
+        </p:txBody>
+      </p:sp>
+      <p:sp>
+        <p:nvSpPr>
+          <p:cNvPr id="3" name="Content Placeholder 2"/>
+          <p:cNvSpPr>
+            <a:spLocks noGrp="1"/>
+          </p:cNvSpPr>
+          <p:nvPr>
+            <p:ph idx="1"/>
+          </p:nvPr>
+        </p:nvSpPr>
+        <p:spPr>
+          <a:xfrm>
+            <a:off x="838200" y="1579418"/>
+            <a:ext cx="10515600" cy="4971011"/>
+          </a:xfrm>
+        </p:spPr>
+        <p:txBody>
+          <a:bodyPr>
+            <a:normAutofit lnSpcReduction="10000"/>
+          </a:bodyPr>
+          <a:lstStyle/>
+          <a:p>
+            <a:r>
+              <a:rPr lang="en-US" dirty="0" smtClean="0"/>
+              <a:t>Asset : Kho </a:t>
+            </a:r>
+            <a:r>
+              <a:rPr lang="en-US" dirty="0" err="1" smtClean="0"/>
+              <a:t>tài</a:t>
+            </a:r>
+            <a:r>
+              <a:rPr lang="en-US" dirty="0" smtClean="0"/>
+              <a:t> </a:t>
+            </a:r>
+            <a:r>
+              <a:rPr lang="en-US" dirty="0" err="1" smtClean="0"/>
+              <a:t>nguyên</a:t>
+            </a:r>
+            <a:r>
+              <a:rPr lang="en-US" dirty="0" smtClean="0"/>
+              <a:t> </a:t>
+            </a:r>
+            <a:r>
+              <a:rPr lang="en-US" dirty="0" err="1" smtClean="0"/>
+              <a:t>cho</a:t>
+            </a:r>
+            <a:r>
+              <a:rPr lang="en-US" dirty="0" smtClean="0"/>
+              <a:t> </a:t>
+            </a:r>
+            <a:r>
+              <a:rPr lang="en-US" dirty="0" err="1" smtClean="0"/>
+              <a:t>việc</a:t>
+            </a:r>
+            <a:r>
+              <a:rPr lang="en-US" dirty="0" smtClean="0"/>
+              <a:t> </a:t>
+            </a:r>
+            <a:r>
+              <a:rPr lang="en-US" dirty="0" err="1" smtClean="0"/>
+              <a:t>xây</a:t>
+            </a:r>
+            <a:r>
+              <a:rPr lang="en-US" dirty="0" smtClean="0"/>
+              <a:t> </a:t>
+            </a:r>
+            <a:r>
+              <a:rPr lang="en-US" dirty="0" err="1" smtClean="0"/>
+              <a:t>dựng</a:t>
+            </a:r>
+            <a:r>
+              <a:rPr lang="en-US" dirty="0" smtClean="0"/>
+              <a:t> game: </a:t>
+            </a:r>
+            <a:r>
+              <a:rPr lang="en-US" dirty="0" err="1" smtClean="0"/>
+              <a:t>hình</a:t>
+            </a:r>
+            <a:r>
+              <a:rPr lang="en-US" dirty="0" smtClean="0"/>
+              <a:t> </a:t>
+            </a:r>
+            <a:r>
+              <a:rPr lang="en-US" dirty="0" err="1" smtClean="0"/>
+              <a:t>ảnh</a:t>
+            </a:r>
+            <a:r>
+              <a:rPr lang="en-US" dirty="0" smtClean="0"/>
+              <a:t>, </a:t>
+            </a:r>
+            <a:r>
+              <a:rPr lang="en-US" dirty="0" err="1" smtClean="0"/>
+              <a:t>âm</a:t>
+            </a:r>
+            <a:r>
+              <a:rPr lang="en-US" dirty="0" smtClean="0"/>
+              <a:t> </a:t>
+            </a:r>
+            <a:r>
+              <a:rPr lang="en-US" dirty="0" err="1" smtClean="0"/>
+              <a:t>thanh</a:t>
+            </a:r>
+            <a:r>
+              <a:rPr lang="en-US" dirty="0" smtClean="0"/>
+              <a:t>…</a:t>
+            </a:r>
+          </a:p>
+          <a:p>
+            <a:r>
+              <a:rPr lang="en-US" dirty="0" err="1" smtClean="0"/>
+              <a:t>Scence</a:t>
+            </a:r>
+            <a:r>
+              <a:rPr lang="en-US" dirty="0" smtClean="0"/>
+              <a:t>: </a:t>
+            </a:r>
+            <a:r>
+              <a:rPr lang="en-US" dirty="0" err="1" smtClean="0"/>
+              <a:t>Là</a:t>
+            </a:r>
+            <a:r>
+              <a:rPr lang="en-US" dirty="0" smtClean="0"/>
+              <a:t> </a:t>
+            </a:r>
+            <a:r>
+              <a:rPr lang="en-US" dirty="0" err="1" smtClean="0"/>
+              <a:t>các</a:t>
+            </a:r>
+            <a:r>
+              <a:rPr lang="en-US" dirty="0" smtClean="0"/>
+              <a:t> </a:t>
+            </a:r>
+            <a:r>
+              <a:rPr lang="en-US" dirty="0" err="1" smtClean="0"/>
+              <a:t>màn</a:t>
+            </a:r>
+            <a:r>
+              <a:rPr lang="en-US" dirty="0" smtClean="0"/>
+              <a:t> </a:t>
+            </a:r>
+            <a:r>
+              <a:rPr lang="en-US" dirty="0" err="1" smtClean="0"/>
+              <a:t>chơi</a:t>
+            </a:r>
+            <a:r>
+              <a:rPr lang="en-US" dirty="0" smtClean="0"/>
+              <a:t>, </a:t>
+            </a:r>
+            <a:r>
+              <a:rPr lang="en-US" dirty="0" err="1" smtClean="0"/>
+              <a:t>cấp</a:t>
+            </a:r>
+            <a:r>
+              <a:rPr lang="en-US" dirty="0" smtClean="0"/>
+              <a:t> </a:t>
+            </a:r>
+            <a:r>
+              <a:rPr lang="en-US" dirty="0" err="1" smtClean="0"/>
+              <a:t>độ</a:t>
+            </a:r>
+            <a:r>
+              <a:rPr lang="en-US" dirty="0" smtClean="0"/>
+              <a:t> </a:t>
+            </a:r>
+            <a:r>
+              <a:rPr lang="en-US" dirty="0" err="1" smtClean="0"/>
+              <a:t>chơi</a:t>
+            </a:r>
+            <a:endParaRPr lang="en-US" dirty="0" smtClean="0"/>
+          </a:p>
+          <a:p>
+            <a:r>
+              <a:rPr lang="en-US" dirty="0" smtClean="0"/>
+              <a:t>Game Object: </a:t>
+            </a:r>
+            <a:r>
+              <a:rPr lang="en-US" dirty="0" err="1" smtClean="0"/>
+              <a:t>Là</a:t>
+            </a:r>
+            <a:r>
+              <a:rPr lang="en-US" dirty="0" smtClean="0"/>
+              <a:t> 1 </a:t>
+            </a:r>
+            <a:r>
+              <a:rPr lang="en-US" dirty="0" err="1" smtClean="0"/>
+              <a:t>tài</a:t>
+            </a:r>
+            <a:r>
+              <a:rPr lang="en-US" dirty="0" smtClean="0"/>
+              <a:t> </a:t>
+            </a:r>
+            <a:r>
+              <a:rPr lang="en-US" dirty="0" err="1" smtClean="0"/>
+              <a:t>nguyên</a:t>
+            </a:r>
+            <a:r>
+              <a:rPr lang="en-US" dirty="0" smtClean="0"/>
+              <a:t> </a:t>
+            </a:r>
+            <a:r>
+              <a:rPr lang="en-US" dirty="0" err="1" smtClean="0"/>
+              <a:t>được</a:t>
+            </a:r>
+            <a:r>
+              <a:rPr lang="en-US" dirty="0" smtClean="0"/>
+              <a:t> </a:t>
+            </a:r>
+            <a:r>
+              <a:rPr lang="en-US" dirty="0" err="1" smtClean="0"/>
+              <a:t>sử</a:t>
+            </a:r>
+            <a:r>
+              <a:rPr lang="en-US" dirty="0" smtClean="0"/>
+              <a:t> </a:t>
+            </a:r>
+            <a:r>
+              <a:rPr lang="en-US" dirty="0" err="1" smtClean="0"/>
+              <a:t>dụng</a:t>
+            </a:r>
+            <a:r>
+              <a:rPr lang="en-US" dirty="0" smtClean="0"/>
+              <a:t> </a:t>
+            </a:r>
+            <a:r>
+              <a:rPr lang="en-US" dirty="0" err="1" smtClean="0"/>
+              <a:t>trong</a:t>
+            </a:r>
+            <a:r>
+              <a:rPr lang="en-US" dirty="0" smtClean="0"/>
+              <a:t> </a:t>
+            </a:r>
+            <a:r>
+              <a:rPr lang="en-US" dirty="0" err="1" smtClean="0"/>
+              <a:t>một</a:t>
+            </a:r>
+            <a:r>
+              <a:rPr lang="en-US" dirty="0" smtClean="0"/>
+              <a:t> scene</a:t>
+            </a:r>
+          </a:p>
+          <a:p>
+            <a:r>
+              <a:rPr lang="en-US" dirty="0" smtClean="0"/>
+              <a:t>Component: </a:t>
+            </a:r>
+            <a:r>
+              <a:rPr lang="en-US" dirty="0" err="1" smtClean="0"/>
+              <a:t>Là</a:t>
+            </a:r>
+            <a:r>
+              <a:rPr lang="en-US" dirty="0" smtClean="0"/>
+              <a:t> </a:t>
+            </a:r>
+            <a:r>
+              <a:rPr lang="en-US" dirty="0" err="1" smtClean="0"/>
+              <a:t>các</a:t>
+            </a:r>
+            <a:r>
+              <a:rPr lang="en-US" dirty="0" smtClean="0"/>
+              <a:t> </a:t>
+            </a:r>
+            <a:r>
+              <a:rPr lang="en-US" dirty="0" err="1" smtClean="0"/>
+              <a:t>thành</a:t>
+            </a:r>
+            <a:r>
+              <a:rPr lang="en-US" dirty="0" smtClean="0"/>
+              <a:t> </a:t>
+            </a:r>
+            <a:r>
+              <a:rPr lang="en-US" dirty="0" err="1" smtClean="0"/>
+              <a:t>phần</a:t>
+            </a:r>
+            <a:r>
+              <a:rPr lang="en-US" dirty="0" smtClean="0"/>
+              <a:t> </a:t>
+            </a:r>
+            <a:r>
+              <a:rPr lang="en-US" dirty="0" err="1" smtClean="0"/>
+              <a:t>trong</a:t>
+            </a:r>
+            <a:r>
+              <a:rPr lang="en-US" dirty="0" smtClean="0"/>
+              <a:t> </a:t>
+            </a:r>
+            <a:r>
+              <a:rPr lang="en-US" dirty="0" err="1" smtClean="0"/>
+              <a:t>một</a:t>
+            </a:r>
+            <a:r>
+              <a:rPr lang="en-US" dirty="0" smtClean="0"/>
+              <a:t> Game Object, </a:t>
+            </a:r>
+            <a:r>
+              <a:rPr lang="en-US" dirty="0" err="1" smtClean="0"/>
+              <a:t>ánh</a:t>
+            </a:r>
+            <a:r>
+              <a:rPr lang="en-US" dirty="0" smtClean="0"/>
+              <a:t> sang, camera, particle, </a:t>
+            </a:r>
+            <a:r>
+              <a:rPr lang="en-US" dirty="0" err="1" smtClean="0"/>
+              <a:t>hiệu</a:t>
+            </a:r>
+            <a:r>
+              <a:rPr lang="en-US" dirty="0" smtClean="0"/>
+              <a:t> </a:t>
+            </a:r>
+            <a:r>
+              <a:rPr lang="en-US" dirty="0" err="1" smtClean="0"/>
+              <a:t>ứng</a:t>
+            </a:r>
+            <a:r>
+              <a:rPr lang="en-US" dirty="0" smtClean="0"/>
+              <a:t> </a:t>
+            </a:r>
+            <a:r>
+              <a:rPr lang="en-US" dirty="0" err="1" smtClean="0"/>
+              <a:t>vật</a:t>
+            </a:r>
+            <a:r>
+              <a:rPr lang="en-US" dirty="0" smtClean="0"/>
+              <a:t> </a:t>
+            </a:r>
+            <a:r>
+              <a:rPr lang="en-US" dirty="0" err="1" smtClean="0"/>
+              <a:t>lý</a:t>
+            </a:r>
+            <a:r>
+              <a:rPr lang="en-US" dirty="0" smtClean="0"/>
+              <a:t>…</a:t>
+            </a:r>
+          </a:p>
+          <a:p>
+            <a:r>
+              <a:rPr lang="en-US" dirty="0" smtClean="0"/>
+              <a:t>Script: </a:t>
+            </a:r>
+            <a:r>
+              <a:rPr lang="en-US" dirty="0" err="1" smtClean="0"/>
+              <a:t>Là</a:t>
+            </a:r>
+            <a:r>
+              <a:rPr lang="en-US" dirty="0" smtClean="0"/>
+              <a:t> </a:t>
+            </a:r>
+            <a:r>
+              <a:rPr lang="en-US" dirty="0" err="1" smtClean="0"/>
+              <a:t>những</a:t>
+            </a:r>
+            <a:r>
+              <a:rPr lang="en-US" dirty="0" smtClean="0"/>
+              <a:t> </a:t>
+            </a:r>
+            <a:r>
+              <a:rPr lang="en-US" dirty="0" err="1" smtClean="0"/>
+              <a:t>mã</a:t>
+            </a:r>
+            <a:r>
+              <a:rPr lang="en-US" dirty="0" smtClean="0"/>
+              <a:t> </a:t>
+            </a:r>
+            <a:r>
+              <a:rPr lang="en-US" dirty="0" err="1" smtClean="0"/>
+              <a:t>kịch</a:t>
+            </a:r>
+            <a:r>
+              <a:rPr lang="en-US" dirty="0" smtClean="0"/>
+              <a:t> </a:t>
+            </a:r>
+            <a:r>
+              <a:rPr lang="en-US" dirty="0" err="1" smtClean="0"/>
+              <a:t>bản</a:t>
+            </a:r>
+            <a:r>
+              <a:rPr lang="en-US" dirty="0" smtClean="0"/>
+              <a:t> </a:t>
+            </a:r>
+            <a:r>
+              <a:rPr lang="en-US" dirty="0" err="1" smtClean="0"/>
+              <a:t>được</a:t>
+            </a:r>
+            <a:r>
+              <a:rPr lang="en-US" dirty="0" smtClean="0"/>
+              <a:t> </a:t>
+            </a:r>
+            <a:r>
+              <a:rPr lang="en-US" dirty="0" err="1" smtClean="0"/>
+              <a:t>viết</a:t>
+            </a:r>
+            <a:r>
+              <a:rPr lang="en-US" dirty="0" smtClean="0"/>
+              <a:t> </a:t>
+            </a:r>
+            <a:r>
+              <a:rPr lang="en-US" dirty="0" err="1" smtClean="0"/>
+              <a:t>bằng</a:t>
+            </a:r>
+            <a:r>
+              <a:rPr lang="en-US" dirty="0" smtClean="0"/>
+              <a:t> C#, </a:t>
+            </a:r>
+            <a:r>
+              <a:rPr lang="en-US" dirty="0" err="1" smtClean="0"/>
+              <a:t>Javascipt</a:t>
+            </a:r>
+            <a:r>
+              <a:rPr lang="en-US" dirty="0" smtClean="0"/>
+              <a:t>, </a:t>
+            </a:r>
+            <a:r>
+              <a:rPr lang="en-US" dirty="0" err="1" smtClean="0"/>
+              <a:t>thường</a:t>
+            </a:r>
+            <a:r>
+              <a:rPr lang="en-US" dirty="0" smtClean="0"/>
+              <a:t> </a:t>
+            </a:r>
+            <a:r>
+              <a:rPr lang="en-US" dirty="0" err="1" smtClean="0"/>
+              <a:t>là</a:t>
+            </a:r>
+            <a:r>
+              <a:rPr lang="en-US" dirty="0" smtClean="0"/>
+              <a:t> </a:t>
+            </a:r>
+            <a:r>
+              <a:rPr lang="en-US" dirty="0" err="1" smtClean="0"/>
+              <a:t>bằng</a:t>
+            </a:r>
+            <a:r>
+              <a:rPr lang="en-US" dirty="0" smtClean="0"/>
+              <a:t> C#, C# </a:t>
+            </a:r>
+            <a:r>
+              <a:rPr lang="en-US" dirty="0" err="1" smtClean="0"/>
+              <a:t>giúp</a:t>
+            </a:r>
+            <a:r>
+              <a:rPr lang="en-US" dirty="0" smtClean="0"/>
+              <a:t> game </a:t>
+            </a:r>
+            <a:r>
+              <a:rPr lang="en-US" dirty="0" err="1" smtClean="0"/>
+              <a:t>chạy</a:t>
+            </a:r>
+            <a:r>
+              <a:rPr lang="en-US" dirty="0" smtClean="0"/>
+              <a:t> </a:t>
+            </a:r>
+            <a:r>
+              <a:rPr lang="en-US" dirty="0" err="1" smtClean="0"/>
+              <a:t>tốt</a:t>
+            </a:r>
+            <a:r>
+              <a:rPr lang="en-US" dirty="0" smtClean="0"/>
+              <a:t> </a:t>
+            </a:r>
+            <a:r>
+              <a:rPr lang="en-US" dirty="0" err="1" smtClean="0"/>
+              <a:t>hơn</a:t>
+            </a:r>
+            <a:r>
+              <a:rPr lang="en-US" dirty="0" smtClean="0"/>
+              <a:t> </a:t>
+            </a:r>
+            <a:r>
+              <a:rPr lang="en-US" dirty="0" err="1" smtClean="0"/>
+              <a:t>kiểm</a:t>
+            </a:r>
+            <a:r>
+              <a:rPr lang="en-US" dirty="0" smtClean="0"/>
+              <a:t> </a:t>
+            </a:r>
+            <a:r>
+              <a:rPr lang="en-US" dirty="0" err="1" smtClean="0"/>
+              <a:t>soát</a:t>
+            </a:r>
+            <a:r>
+              <a:rPr lang="en-US" dirty="0" smtClean="0"/>
+              <a:t> code </a:t>
+            </a:r>
+            <a:r>
+              <a:rPr lang="en-US" dirty="0" err="1" smtClean="0"/>
+              <a:t>tốt</a:t>
+            </a:r>
+            <a:r>
+              <a:rPr lang="en-US" dirty="0" smtClean="0"/>
+              <a:t> </a:t>
+            </a:r>
+            <a:r>
+              <a:rPr lang="en-US" dirty="0" err="1" smtClean="0"/>
+              <a:t>hơn</a:t>
+            </a:r>
+            <a:endParaRPr lang="en-US" dirty="0" smtClean="0"/>
+          </a:p>
+          <a:p>
+            <a:r>
+              <a:rPr lang="en-US" dirty="0" smtClean="0"/>
+              <a:t>Prefab: </a:t>
+            </a:r>
+            <a:r>
+              <a:rPr lang="en-US" dirty="0" err="1" smtClean="0"/>
+              <a:t>Là</a:t>
+            </a:r>
+            <a:r>
+              <a:rPr lang="en-US" dirty="0" smtClean="0"/>
+              <a:t> </a:t>
+            </a:r>
+            <a:r>
+              <a:rPr lang="en-US" dirty="0" err="1" smtClean="0"/>
+              <a:t>một</a:t>
+            </a:r>
+            <a:r>
+              <a:rPr lang="en-US" dirty="0" smtClean="0"/>
+              <a:t> Game Object </a:t>
+            </a:r>
+            <a:r>
+              <a:rPr lang="en-US" dirty="0" err="1" smtClean="0"/>
+              <a:t>được</a:t>
+            </a:r>
+            <a:r>
+              <a:rPr lang="en-US" dirty="0" smtClean="0"/>
+              <a:t> cache </a:t>
+            </a:r>
+            <a:r>
+              <a:rPr lang="en-US" dirty="0" err="1" smtClean="0"/>
+              <a:t>lại</a:t>
+            </a:r>
+            <a:r>
+              <a:rPr lang="en-US" dirty="0" smtClean="0"/>
+              <a:t> </a:t>
+            </a:r>
+            <a:r>
+              <a:rPr lang="en-US" dirty="0" err="1" smtClean="0"/>
+              <a:t>nhằm</a:t>
+            </a:r>
+            <a:r>
+              <a:rPr lang="en-US" dirty="0" smtClean="0"/>
+              <a:t> </a:t>
+            </a:r>
+            <a:r>
+              <a:rPr lang="en-US" dirty="0" err="1" smtClean="0"/>
+              <a:t>tái</a:t>
+            </a:r>
+            <a:r>
+              <a:rPr lang="en-US" dirty="0" smtClean="0"/>
+              <a:t> </a:t>
+            </a:r>
+            <a:r>
+              <a:rPr lang="en-US" dirty="0" err="1" smtClean="0"/>
+              <a:t>sử</a:t>
+            </a:r>
+            <a:r>
+              <a:rPr lang="en-US" dirty="0" smtClean="0"/>
+              <a:t> </a:t>
+            </a:r>
+            <a:r>
+              <a:rPr lang="en-US" dirty="0" err="1" smtClean="0"/>
+              <a:t>dụng</a:t>
+            </a:r>
+            <a:r>
+              <a:rPr lang="en-US" dirty="0" smtClean="0"/>
+              <a:t>, </a:t>
+            </a:r>
+            <a:r>
+              <a:rPr lang="en-US" dirty="0" err="1" smtClean="0"/>
+              <a:t>thường</a:t>
+            </a:r>
+            <a:r>
+              <a:rPr lang="en-US" dirty="0" smtClean="0"/>
+              <a:t> </a:t>
+            </a:r>
+            <a:r>
+              <a:rPr lang="en-US" dirty="0" err="1" smtClean="0"/>
+              <a:t>được</a:t>
+            </a:r>
+            <a:r>
+              <a:rPr lang="en-US" dirty="0" smtClean="0"/>
+              <a:t> </a:t>
+            </a:r>
+            <a:r>
+              <a:rPr lang="en-US" dirty="0" err="1" smtClean="0"/>
+              <a:t>dùng</a:t>
+            </a:r>
+            <a:r>
+              <a:rPr lang="en-US" dirty="0" smtClean="0"/>
+              <a:t> </a:t>
+            </a:r>
+            <a:r>
+              <a:rPr lang="en-US" dirty="0" err="1" smtClean="0"/>
+              <a:t>để</a:t>
+            </a:r>
+            <a:r>
+              <a:rPr lang="en-US" dirty="0" smtClean="0"/>
+              <a:t> </a:t>
+            </a:r>
+            <a:r>
+              <a:rPr lang="en-US" dirty="0" err="1" smtClean="0"/>
+              <a:t>tạo</a:t>
+            </a:r>
+            <a:r>
+              <a:rPr lang="en-US" dirty="0" smtClean="0"/>
+              <a:t> </a:t>
+            </a:r>
+            <a:r>
+              <a:rPr lang="en-US" dirty="0" err="1" smtClean="0"/>
+              <a:t>nhiều</a:t>
+            </a:r>
+            <a:r>
+              <a:rPr lang="en-US" dirty="0" smtClean="0"/>
+              <a:t> instances </a:t>
+            </a:r>
+            <a:r>
+              <a:rPr lang="en-US" dirty="0" err="1" smtClean="0"/>
+              <a:t>của</a:t>
+            </a:r>
+            <a:r>
+              <a:rPr lang="en-US" dirty="0" smtClean="0"/>
+              <a:t> </a:t>
+            </a:r>
+            <a:r>
+              <a:rPr lang="en-US" dirty="0" err="1" smtClean="0"/>
+              <a:t>một</a:t>
+            </a:r>
+            <a:r>
+              <a:rPr lang="en-US" dirty="0" smtClean="0"/>
+              <a:t> object.</a:t>
+            </a:r>
+          </a:p>
+          <a:p>
+            <a:r>
+              <a:rPr lang="en-US" dirty="0" smtClean="0"/>
+              <a:t>Packages: </a:t>
+            </a:r>
+            <a:r>
+              <a:rPr lang="en-US" dirty="0" err="1" smtClean="0"/>
+              <a:t>là</a:t>
+            </a:r>
+            <a:r>
+              <a:rPr lang="en-US" dirty="0" smtClean="0"/>
+              <a:t> </a:t>
+            </a:r>
+            <a:r>
+              <a:rPr lang="en-US" dirty="0" err="1" smtClean="0"/>
+              <a:t>tập</a:t>
+            </a:r>
+            <a:r>
+              <a:rPr lang="en-US" dirty="0" smtClean="0"/>
+              <a:t> </a:t>
+            </a:r>
+            <a:r>
+              <a:rPr lang="en-US" dirty="0" err="1" smtClean="0"/>
+              <a:t>hợp</a:t>
+            </a:r>
+            <a:r>
+              <a:rPr lang="en-US" dirty="0" smtClean="0"/>
+              <a:t> </a:t>
+            </a:r>
+            <a:r>
+              <a:rPr lang="en-US" dirty="0" err="1" smtClean="0"/>
+              <a:t>các</a:t>
+            </a:r>
+            <a:r>
+              <a:rPr lang="en-US" dirty="0" smtClean="0"/>
+              <a:t> game objects, assets </a:t>
+            </a:r>
+            <a:r>
+              <a:rPr lang="en-US" dirty="0" err="1" smtClean="0"/>
+              <a:t>và</a:t>
+            </a:r>
+            <a:r>
+              <a:rPr lang="en-US" dirty="0" smtClean="0"/>
+              <a:t> </a:t>
+            </a:r>
+            <a:r>
+              <a:rPr lang="en-US" dirty="0" err="1" smtClean="0"/>
+              <a:t>các</a:t>
+            </a:r>
+            <a:r>
+              <a:rPr lang="en-US" dirty="0" smtClean="0"/>
+              <a:t> file meta-data </a:t>
+            </a:r>
+            <a:r>
+              <a:rPr lang="en-US" dirty="0" err="1" smtClean="0"/>
+              <a:t>liên</a:t>
+            </a:r>
+            <a:r>
+              <a:rPr lang="en-US" dirty="0" smtClean="0"/>
+              <a:t> </a:t>
+            </a:r>
+            <a:r>
+              <a:rPr lang="en-US" dirty="0" err="1" smtClean="0"/>
+              <a:t>quan</a:t>
+            </a:r>
+            <a:endParaRPr lang="en-US" dirty="0"/>
+          </a:p>
+        </p:txBody>
+      </p:sp>
+    </p:spTree>
+    <p:extLst>
+      <p:ext uri="{BB962C8B-B14F-4D97-AF65-F5344CB8AC3E}">
+        <p14:creationId xmlns:p14="http://schemas.microsoft.com/office/powerpoint/2010/main" val="201155286"/>
+      </p:ext>
+    </p:extLst>
+  </p:cSld>
+  <p:clrMapOvr>
+    <a:masterClrMapping/>
+  </p:clrMapOvr>
+  <p:timing>
+    <p:tnLst>
+      <p:par>
+        <p:cTn id="1" dur="indefinite" restart="never" nodeType="tmRoot"/>
+      </p:par>
+    </p:tnLst>
+  </p:timing>
+</p:sld>
+</file>
+
+<file path=ppt/slides/slide12.xml><?xml version="1.0" encoding="utf-8"?>
+<p:sld xmlns:a="http://schemas.openxmlformats.org/drawingml/2006/main" xmlns:r="http://schemas.openxmlformats.org/officeDocument/2006/relationships" xmlns:p="http://schemas.openxmlformats.org/presentationml/2006/main">
+  <p:cSld>
+    <p:spTree>
+      <p:nvGrpSpPr>
+        <p:cNvPr id="1" name=""/>
+        <p:cNvGrpSpPr/>
+        <p:nvPr/>
+      </p:nvGrpSpPr>
+      <p:grpSpPr>
+        <a:xfrm>
+          <a:off x="0" y="0"/>
+          <a:ext cx="0" cy="0"/>
+          <a:chOff x="0" y="0"/>
+          <a:chExt cx="0" cy="0"/>
+        </a:xfrm>
+      </p:grpSpPr>
+      <p:sp>
+        <p:nvSpPr>
+          <p:cNvPr id="2" name="Title 1"/>
+          <p:cNvSpPr>
+            <a:spLocks noGrp="1"/>
+          </p:cNvSpPr>
+          <p:nvPr>
+            <p:ph type="title"/>
+          </p:nvPr>
+        </p:nvSpPr>
+        <p:spPr/>
+        <p:txBody>
+          <a:bodyPr/>
+          <a:lstStyle/>
+          <a:p>
+            <a:r>
+              <a:rPr lang="en-US" dirty="0" err="1" smtClean="0"/>
               <a:t>Giao</a:t>
             </a:r>
             <a:r>
@@ -3177,7 +4575,7 @@
 </p:sld>
 </file>
 
-<file path=ppt/slides/slide11.xml><?xml version="1.0" encoding="utf-8"?>
+<file path=ppt/slides/slide13.xml><?xml version="1.0" encoding="utf-8"?>
 <p:sld xmlns:a="http://schemas.openxmlformats.org/drawingml/2006/main" xmlns:r="http://schemas.openxmlformats.org/officeDocument/2006/relationships" xmlns:p="http://schemas.openxmlformats.org/presentationml/2006/main">
   <p:cSld>
     <p:spTree>
@@ -3640,7 +5038,7 @@
 </p:sld>
 </file>
 
-<file path=ppt/slides/slide12.xml><?xml version="1.0" encoding="utf-8"?>
+<file path=ppt/slides/slide14.xml><?xml version="1.0" encoding="utf-8"?>
 <p:sld xmlns:a="http://schemas.openxmlformats.org/drawingml/2006/main" xmlns:r="http://schemas.openxmlformats.org/officeDocument/2006/relationships" xmlns:p="http://schemas.openxmlformats.org/presentationml/2006/main">
   <p:cSld>
     <p:spTree>
@@ -3750,7 +5148,7 @@
 </p:sld>
 </file>
 
-<file path=ppt/slides/slide13.xml><?xml version="1.0" encoding="utf-8"?>
+<file path=ppt/slides/slide15.xml><?xml version="1.0" encoding="utf-8"?>
 <p:sld xmlns:a="http://schemas.openxmlformats.org/drawingml/2006/main" xmlns:r="http://schemas.openxmlformats.org/officeDocument/2006/relationships" xmlns:p="http://schemas.openxmlformats.org/presentationml/2006/main">
   <p:cSld>
     <p:spTree>
@@ -3876,7 +5274,7 @@
 </p:sld>
 </file>
 
-<file path=ppt/slides/slide14.xml><?xml version="1.0" encoding="utf-8"?>
+<file path=ppt/slides/slide16.xml><?xml version="1.0" encoding="utf-8"?>
 <p:sld xmlns:a="http://schemas.openxmlformats.org/drawingml/2006/main" xmlns:r="http://schemas.openxmlformats.org/officeDocument/2006/relationships" xmlns:p="http://schemas.openxmlformats.org/presentationml/2006/main">
   <p:cSld>
     <p:spTree>
@@ -3959,7 +5357,7 @@
 </p:sld>
 </file>
 
-<file path=ppt/slides/slide15.xml><?xml version="1.0" encoding="utf-8"?>
+<file path=ppt/slides/slide17.xml><?xml version="1.0" encoding="utf-8"?>
 <p:sld xmlns:a="http://schemas.openxmlformats.org/drawingml/2006/main" xmlns:r="http://schemas.openxmlformats.org/officeDocument/2006/relationships" xmlns:p="http://schemas.openxmlformats.org/presentationml/2006/main">
   <p:cSld>
     <p:spTree>
@@ -4052,7 +5450,7 @@
 </p:sld>
 </file>
 
-<file path=ppt/slides/slide16.xml><?xml version="1.0" encoding="utf-8"?>
+<file path=ppt/slides/slide18.xml><?xml version="1.0" encoding="utf-8"?>
 <p:sld xmlns:a="http://schemas.openxmlformats.org/drawingml/2006/main" xmlns:r="http://schemas.openxmlformats.org/officeDocument/2006/relationships" xmlns:p="http://schemas.openxmlformats.org/presentationml/2006/main">
   <p:cSld>
     <p:spTree>
@@ -4141,7 +5539,7 @@
 </p:sld>
 </file>
 
-<file path=ppt/slides/slide17.xml><?xml version="1.0" encoding="utf-8"?>
+<file path=ppt/slides/slide19.xml><?xml version="1.0" encoding="utf-8"?>
 <p:sld xmlns:a="http://schemas.openxmlformats.org/drawingml/2006/main" xmlns:r="http://schemas.openxmlformats.org/officeDocument/2006/relationships" xmlns:p="http://schemas.openxmlformats.org/presentationml/2006/main">
   <p:cSld>
     <p:spTree>
@@ -4197,768 +5595,6 @@
 </p:sld>
 </file>
 
-<file path=ppt/slides/slide18.xml><?xml version="1.0" encoding="utf-8"?>
-<p:sld xmlns:a="http://schemas.openxmlformats.org/drawingml/2006/main" xmlns:r="http://schemas.openxmlformats.org/officeDocument/2006/relationships" xmlns:p="http://schemas.openxmlformats.org/presentationml/2006/main">
-  <p:cSld>
-    <p:spTree>
-      <p:nvGrpSpPr>
-        <p:cNvPr id="1" name=""/>
-        <p:cNvGrpSpPr/>
-        <p:nvPr/>
-      </p:nvGrpSpPr>
-      <p:grpSpPr>
-        <a:xfrm>
-          <a:off x="0" y="0"/>
-          <a:ext cx="0" cy="0"/>
-          <a:chOff x="0" y="0"/>
-          <a:chExt cx="0" cy="0"/>
-        </a:xfrm>
-      </p:grpSpPr>
-      <p:sp>
-        <p:nvSpPr>
-          <p:cNvPr id="2" name="Title 1"/>
-          <p:cNvSpPr>
-            <a:spLocks noGrp="1"/>
-          </p:cNvSpPr>
-          <p:nvPr>
-            <p:ph type="title"/>
-          </p:nvPr>
-        </p:nvSpPr>
-        <p:spPr/>
-        <p:txBody>
-          <a:bodyPr/>
-          <a:lstStyle/>
-          <a:p>
-            <a:r>
-              <a:rPr lang="en-US" dirty="0" err="1" smtClean="0"/>
-              <a:t>Hiệu</a:t>
-            </a:r>
-            <a:r>
-              <a:rPr lang="en-US" dirty="0" smtClean="0"/>
-              <a:t> </a:t>
-            </a:r>
-            <a:r>
-              <a:rPr lang="en-US" dirty="0" err="1" smtClean="0"/>
-              <a:t>suất</a:t>
-            </a:r>
-            <a:endParaRPr lang="en-US" dirty="0"/>
-          </a:p>
-        </p:txBody>
-      </p:sp>
-      <p:sp>
-        <p:nvSpPr>
-          <p:cNvPr id="3" name="Content Placeholder 2"/>
-          <p:cNvSpPr>
-            <a:spLocks noGrp="1"/>
-          </p:cNvSpPr>
-          <p:nvPr>
-            <p:ph idx="1"/>
-          </p:nvPr>
-        </p:nvSpPr>
-        <p:spPr/>
-        <p:txBody>
-          <a:bodyPr/>
-          <a:lstStyle/>
-          <a:p>
-            <a:r>
-              <a:rPr lang="en-US" dirty="0" err="1" smtClean="0"/>
-              <a:t>Giao</a:t>
-            </a:r>
-            <a:r>
-              <a:rPr lang="en-US" dirty="0" smtClean="0"/>
-              <a:t> </a:t>
-            </a:r>
-            <a:r>
-              <a:rPr lang="en-US" dirty="0" err="1" smtClean="0"/>
-              <a:t>diện</a:t>
-            </a:r>
-            <a:r>
-              <a:rPr lang="en-US" dirty="0" smtClean="0"/>
-              <a:t> </a:t>
-            </a:r>
-            <a:r>
-              <a:rPr lang="en-US" dirty="0" err="1" smtClean="0"/>
-              <a:t>trực</a:t>
-            </a:r>
-            <a:r>
-              <a:rPr lang="en-US" dirty="0" smtClean="0"/>
-              <a:t> </a:t>
-            </a:r>
-            <a:r>
-              <a:rPr lang="en-US" dirty="0" err="1" smtClean="0"/>
-              <a:t>quan</a:t>
-            </a:r>
-            <a:r>
-              <a:rPr lang="en-US" dirty="0" smtClean="0"/>
-              <a:t> </a:t>
-            </a:r>
-            <a:r>
-              <a:rPr lang="en-US" dirty="0" err="1" smtClean="0"/>
-              <a:t>dễ</a:t>
-            </a:r>
-            <a:r>
-              <a:rPr lang="en-US" dirty="0" smtClean="0"/>
-              <a:t> </a:t>
-            </a:r>
-            <a:r>
-              <a:rPr lang="en-US" dirty="0" err="1" smtClean="0"/>
-              <a:t>dàng</a:t>
-            </a:r>
-            <a:r>
-              <a:rPr lang="en-US" dirty="0" smtClean="0"/>
-              <a:t> </a:t>
-            </a:r>
-            <a:r>
-              <a:rPr lang="en-US" dirty="0" err="1" smtClean="0"/>
-              <a:t>tạo</a:t>
-            </a:r>
-            <a:r>
-              <a:rPr lang="en-US" dirty="0" smtClean="0"/>
-              <a:t> </a:t>
-            </a:r>
-            <a:r>
-              <a:rPr lang="en-US" dirty="0" err="1" smtClean="0"/>
-              <a:t>ra</a:t>
-            </a:r>
-            <a:r>
-              <a:rPr lang="en-US" dirty="0" smtClean="0"/>
-              <a:t> </a:t>
-            </a:r>
-            <a:r>
-              <a:rPr lang="en-US" dirty="0" err="1" smtClean="0"/>
-              <a:t>các</a:t>
-            </a:r>
-            <a:r>
-              <a:rPr lang="en-US" dirty="0" smtClean="0"/>
-              <a:t> Component</a:t>
-            </a:r>
-          </a:p>
-          <a:p>
-            <a:r>
-              <a:rPr lang="en-US" dirty="0" err="1" smtClean="0"/>
-              <a:t>Tiết</a:t>
-            </a:r>
-            <a:r>
-              <a:rPr lang="en-US" dirty="0" smtClean="0"/>
-              <a:t> </a:t>
-            </a:r>
-            <a:r>
-              <a:rPr lang="en-US" dirty="0" err="1" smtClean="0"/>
-              <a:t>kiệm</a:t>
-            </a:r>
-            <a:r>
-              <a:rPr lang="en-US" dirty="0" smtClean="0"/>
-              <a:t> </a:t>
-            </a:r>
-            <a:r>
-              <a:rPr lang="en-US" dirty="0" err="1" smtClean="0"/>
-              <a:t>thời</a:t>
-            </a:r>
-            <a:r>
-              <a:rPr lang="en-US" dirty="0" smtClean="0"/>
-              <a:t> </a:t>
-            </a:r>
-            <a:r>
-              <a:rPr lang="en-US" dirty="0" err="1" smtClean="0"/>
-              <a:t>gian</a:t>
-            </a:r>
-            <a:r>
-              <a:rPr lang="en-US" dirty="0" smtClean="0"/>
-              <a:t> dev game</a:t>
-            </a:r>
-            <a:endParaRPr lang="en-US" dirty="0"/>
-          </a:p>
-        </p:txBody>
-      </p:sp>
-    </p:spTree>
-    <p:extLst>
-      <p:ext uri="{BB962C8B-B14F-4D97-AF65-F5344CB8AC3E}">
-        <p14:creationId xmlns:p14="http://schemas.microsoft.com/office/powerpoint/2010/main" val="3649913014"/>
-      </p:ext>
-    </p:extLst>
-  </p:cSld>
-  <p:clrMapOvr>
-    <a:masterClrMapping/>
-  </p:clrMapOvr>
-</p:sld>
-</file>
-
-<file path=ppt/slides/slide19.xml><?xml version="1.0" encoding="utf-8"?>
-<p:sld xmlns:a="http://schemas.openxmlformats.org/drawingml/2006/main" xmlns:r="http://schemas.openxmlformats.org/officeDocument/2006/relationships" xmlns:p="http://schemas.openxmlformats.org/presentationml/2006/main">
-  <p:cSld>
-    <p:spTree>
-      <p:nvGrpSpPr>
-        <p:cNvPr id="1" name=""/>
-        <p:cNvGrpSpPr/>
-        <p:nvPr/>
-      </p:nvGrpSpPr>
-      <p:grpSpPr>
-        <a:xfrm>
-          <a:off x="0" y="0"/>
-          <a:ext cx="0" cy="0"/>
-          <a:chOff x="0" y="0"/>
-          <a:chExt cx="0" cy="0"/>
-        </a:xfrm>
-      </p:grpSpPr>
-      <p:sp>
-        <p:nvSpPr>
-          <p:cNvPr id="2" name="Title 1"/>
-          <p:cNvSpPr>
-            <a:spLocks noGrp="1"/>
-          </p:cNvSpPr>
-          <p:nvPr>
-            <p:ph type="title"/>
-          </p:nvPr>
-        </p:nvSpPr>
-        <p:spPr/>
-        <p:txBody>
-          <a:bodyPr/>
-          <a:lstStyle/>
-          <a:p>
-            <a:r>
-              <a:rPr lang="en-US" dirty="0" err="1" smtClean="0"/>
-              <a:t>Ưu</a:t>
-            </a:r>
-            <a:r>
-              <a:rPr lang="en-US" dirty="0" smtClean="0"/>
-              <a:t> </a:t>
-            </a:r>
-            <a:r>
-              <a:rPr lang="en-US" dirty="0" err="1" smtClean="0"/>
-              <a:t>điểm</a:t>
-            </a:r>
-            <a:r>
-              <a:rPr lang="en-US" dirty="0" smtClean="0"/>
-              <a:t>, </a:t>
-            </a:r>
-            <a:r>
-              <a:rPr lang="en-US" dirty="0" err="1" smtClean="0"/>
-              <a:t>nhược</a:t>
-            </a:r>
-            <a:r>
-              <a:rPr lang="en-US" dirty="0" smtClean="0"/>
-              <a:t> </a:t>
-            </a:r>
-            <a:r>
-              <a:rPr lang="en-US" dirty="0" err="1" smtClean="0"/>
-              <a:t>điểm</a:t>
-            </a:r>
-            <a:endParaRPr lang="en-US" dirty="0"/>
-          </a:p>
-        </p:txBody>
-      </p:sp>
-      <p:sp>
-        <p:nvSpPr>
-          <p:cNvPr id="3" name="Content Placeholder 2"/>
-          <p:cNvSpPr>
-            <a:spLocks noGrp="1"/>
-          </p:cNvSpPr>
-          <p:nvPr>
-            <p:ph idx="1"/>
-          </p:nvPr>
-        </p:nvSpPr>
-        <p:spPr/>
-        <p:txBody>
-          <a:bodyPr>
-            <a:normAutofit fontScale="92500" lnSpcReduction="10000"/>
-          </a:bodyPr>
-          <a:lstStyle/>
-          <a:p>
-            <a:r>
-              <a:rPr lang="en-US" dirty="0" err="1" smtClean="0"/>
-              <a:t>Ưu</a:t>
-            </a:r>
-            <a:r>
-              <a:rPr lang="en-US" dirty="0" smtClean="0"/>
-              <a:t> </a:t>
-            </a:r>
-            <a:r>
-              <a:rPr lang="en-US" dirty="0" err="1" smtClean="0"/>
-              <a:t>Điểm</a:t>
-            </a:r>
-            <a:endParaRPr lang="en-US" dirty="0" smtClean="0"/>
-          </a:p>
-          <a:p>
-            <a:pPr marL="0" indent="0">
-              <a:buNone/>
-            </a:pPr>
-            <a:r>
-              <a:rPr lang="en-US" dirty="0" smtClean="0"/>
-              <a:t>	Kho </a:t>
-            </a:r>
-            <a:r>
-              <a:rPr lang="en-US" dirty="0" err="1" smtClean="0"/>
-              <a:t>tài</a:t>
-            </a:r>
-            <a:r>
-              <a:rPr lang="en-US" dirty="0" smtClean="0"/>
-              <a:t> </a:t>
-            </a:r>
-            <a:r>
-              <a:rPr lang="en-US" dirty="0" err="1" smtClean="0"/>
-              <a:t>nguyên</a:t>
-            </a:r>
-            <a:r>
-              <a:rPr lang="en-US" dirty="0" smtClean="0"/>
-              <a:t> </a:t>
-            </a:r>
-            <a:r>
-              <a:rPr lang="en-US" dirty="0" err="1" smtClean="0"/>
-              <a:t>khổng</a:t>
-            </a:r>
-            <a:r>
-              <a:rPr lang="en-US" dirty="0" smtClean="0"/>
-              <a:t> </a:t>
-            </a:r>
-            <a:r>
-              <a:rPr lang="en-US" dirty="0" err="1" smtClean="0"/>
-              <a:t>lồ</a:t>
-            </a:r>
-            <a:r>
-              <a:rPr lang="en-US" dirty="0" smtClean="0"/>
-              <a:t> </a:t>
-            </a:r>
-            <a:r>
-              <a:rPr lang="en-US" dirty="0" err="1" smtClean="0"/>
-              <a:t>được</a:t>
-            </a:r>
-            <a:r>
-              <a:rPr lang="en-US" dirty="0" smtClean="0"/>
-              <a:t> </a:t>
-            </a:r>
-            <a:r>
-              <a:rPr lang="en-US" dirty="0" err="1" smtClean="0"/>
-              <a:t>hỗ</a:t>
-            </a:r>
-            <a:r>
-              <a:rPr lang="en-US" dirty="0" smtClean="0"/>
-              <a:t> </a:t>
-            </a:r>
-            <a:r>
-              <a:rPr lang="en-US" dirty="0" err="1" smtClean="0"/>
-              <a:t>trợ</a:t>
-            </a:r>
-            <a:r>
-              <a:rPr lang="en-US" dirty="0" smtClean="0"/>
-              <a:t> </a:t>
-            </a:r>
-            <a:r>
-              <a:rPr lang="en-US" dirty="0" err="1" smtClean="0"/>
-              <a:t>đầy</a:t>
-            </a:r>
-            <a:r>
-              <a:rPr lang="en-US" dirty="0" smtClean="0"/>
-              <a:t> </a:t>
-            </a:r>
-            <a:r>
-              <a:rPr lang="en-US" dirty="0" err="1" smtClean="0"/>
-              <a:t>đủ</a:t>
-            </a:r>
-            <a:r>
-              <a:rPr lang="en-US" dirty="0" smtClean="0"/>
-              <a:t>	</a:t>
-            </a:r>
-            <a:r>
-              <a:rPr lang="en-US" sz="2400" dirty="0" smtClean="0"/>
-              <a:t>https</a:t>
-            </a:r>
-            <a:r>
-              <a:rPr lang="en-US" sz="2400" dirty="0"/>
-              <a:t>://assetstore.unity.com/</a:t>
-            </a:r>
-            <a:endParaRPr lang="en-US" sz="2400" dirty="0" smtClean="0"/>
-          </a:p>
-          <a:p>
-            <a:pPr marL="0" indent="0">
-              <a:buNone/>
-            </a:pPr>
-            <a:r>
-              <a:rPr lang="en-US" dirty="0" smtClean="0"/>
-              <a:t>	</a:t>
-            </a:r>
-            <a:r>
-              <a:rPr lang="en-US" dirty="0" err="1" smtClean="0"/>
-              <a:t>Cộng</a:t>
-            </a:r>
-            <a:r>
-              <a:rPr lang="en-US" dirty="0" smtClean="0"/>
-              <a:t> </a:t>
-            </a:r>
-            <a:r>
-              <a:rPr lang="en-US" dirty="0" err="1" smtClean="0"/>
-              <a:t>đồng</a:t>
-            </a:r>
-            <a:r>
-              <a:rPr lang="en-US" dirty="0" smtClean="0"/>
-              <a:t> </a:t>
-            </a:r>
-            <a:r>
-              <a:rPr lang="en-US" dirty="0" err="1" smtClean="0"/>
-              <a:t>lớn</a:t>
-            </a:r>
-            <a:r>
-              <a:rPr lang="en-US" dirty="0" smtClean="0"/>
-              <a:t>: </a:t>
-            </a:r>
-            <a:r>
-              <a:rPr lang="en-US" sz="2400" dirty="0">
-                <a:hlinkClick r:id="rId2"/>
-              </a:rPr>
-              <a:t>https://</a:t>
-            </a:r>
-            <a:r>
-              <a:rPr lang="en-US" sz="2400" dirty="0" smtClean="0">
-                <a:hlinkClick r:id="rId2"/>
-              </a:rPr>
-              <a:t>forum.unity.com/</a:t>
-            </a:r>
-            <a:endParaRPr lang="en-US" sz="2400" dirty="0" smtClean="0"/>
-          </a:p>
-          <a:p>
-            <a:pPr marL="0" indent="0">
-              <a:buNone/>
-            </a:pPr>
-            <a:r>
-              <a:rPr lang="en-US" dirty="0"/>
-              <a:t>	</a:t>
-            </a:r>
-            <a:r>
-              <a:rPr lang="en-US" dirty="0" err="1"/>
-              <a:t>T</a:t>
-            </a:r>
-            <a:r>
-              <a:rPr lang="en-US" dirty="0" err="1" smtClean="0"/>
-              <a:t>ài</a:t>
-            </a:r>
-            <a:r>
-              <a:rPr lang="en-US" dirty="0" smtClean="0"/>
-              <a:t> </a:t>
-            </a:r>
-            <a:r>
-              <a:rPr lang="en-US" dirty="0" err="1" smtClean="0"/>
-              <a:t>liệu</a:t>
-            </a:r>
-            <a:r>
-              <a:rPr lang="en-US" dirty="0" smtClean="0"/>
-              <a:t> </a:t>
-            </a:r>
-            <a:r>
-              <a:rPr lang="en-US" dirty="0" err="1" smtClean="0"/>
-              <a:t>nhiều</a:t>
-            </a:r>
-            <a:r>
-              <a:rPr lang="en-US" dirty="0"/>
-              <a:t>: </a:t>
-            </a:r>
-            <a:endParaRPr lang="en-US" dirty="0" smtClean="0"/>
-          </a:p>
-          <a:p>
-            <a:pPr marL="0" indent="0">
-              <a:buNone/>
-            </a:pPr>
-            <a:r>
-              <a:rPr lang="en-US" dirty="0" smtClean="0"/>
-              <a:t>	</a:t>
-            </a:r>
-            <a:r>
-              <a:rPr lang="en-US" sz="2400" dirty="0" smtClean="0"/>
-              <a:t>https</a:t>
-            </a:r>
-            <a:r>
-              <a:rPr lang="en-US" sz="2400" dirty="0"/>
-              <a:t>://docs.unity3d.com/Manual/index.html</a:t>
-            </a:r>
-            <a:r>
-              <a:rPr lang="en-US" dirty="0"/>
-              <a:t>	</a:t>
-            </a:r>
-            <a:r>
-              <a:rPr lang="en-US" sz="2400" dirty="0"/>
-              <a:t>https://docs.unity3d.com/ScriptReference/index.html</a:t>
-            </a:r>
-            <a:endParaRPr lang="en-US" sz="2400" dirty="0" smtClean="0"/>
-          </a:p>
-          <a:p>
-            <a:r>
-              <a:rPr lang="en-US" dirty="0" err="1" smtClean="0"/>
-              <a:t>Nhược</a:t>
-            </a:r>
-            <a:r>
-              <a:rPr lang="en-US" dirty="0" smtClean="0"/>
-              <a:t> </a:t>
-            </a:r>
-            <a:r>
-              <a:rPr lang="en-US" dirty="0" err="1" smtClean="0"/>
-              <a:t>Điểm</a:t>
-            </a:r>
-            <a:endParaRPr lang="en-US" dirty="0" smtClean="0"/>
-          </a:p>
-          <a:p>
-            <a:pPr marL="457200" lvl="1" indent="0">
-              <a:buNone/>
-            </a:pPr>
-            <a:r>
-              <a:rPr lang="en-US" dirty="0"/>
-              <a:t>	</a:t>
-            </a:r>
-            <a:r>
-              <a:rPr lang="en-US" dirty="0" err="1" smtClean="0"/>
-              <a:t>Mỗi</a:t>
-            </a:r>
-            <a:r>
-              <a:rPr lang="en-US" dirty="0" smtClean="0"/>
-              <a:t> version </a:t>
-            </a:r>
-            <a:r>
-              <a:rPr lang="en-US" dirty="0" err="1" smtClean="0"/>
-              <a:t>của</a:t>
-            </a:r>
-            <a:r>
-              <a:rPr lang="en-US" dirty="0" smtClean="0"/>
-              <a:t> Unity </a:t>
-            </a:r>
-            <a:r>
-              <a:rPr lang="en-US" dirty="0" err="1" smtClean="0"/>
-              <a:t>có</a:t>
-            </a:r>
-            <a:r>
-              <a:rPr lang="en-US" dirty="0" smtClean="0"/>
-              <a:t> 1 </a:t>
-            </a:r>
-            <a:r>
-              <a:rPr lang="en-US" dirty="0" err="1" smtClean="0"/>
-              <a:t>bộ</a:t>
-            </a:r>
-            <a:r>
-              <a:rPr lang="en-US" dirty="0" smtClean="0"/>
-              <a:t> module </a:t>
-            </a:r>
-            <a:r>
-              <a:rPr lang="en-US" dirty="0" err="1" smtClean="0"/>
-              <a:t>khác</a:t>
-            </a:r>
-            <a:r>
-              <a:rPr lang="en-US" dirty="0" smtClean="0"/>
-              <a:t> </a:t>
-            </a:r>
-            <a:r>
-              <a:rPr lang="en-US" dirty="0" err="1" smtClean="0"/>
-              <a:t>nhau</a:t>
-            </a:r>
-            <a:r>
-              <a:rPr lang="en-US" dirty="0" smtClean="0"/>
-              <a:t>, </a:t>
-            </a:r>
-            <a:r>
-              <a:rPr lang="en-US" dirty="0" err="1" smtClean="0"/>
-              <a:t>dẫn</a:t>
-            </a:r>
-            <a:r>
-              <a:rPr lang="en-US" dirty="0" smtClean="0"/>
-              <a:t> </a:t>
-            </a:r>
-            <a:r>
-              <a:rPr lang="en-US" dirty="0" err="1" smtClean="0"/>
-              <a:t>đến</a:t>
-            </a:r>
-            <a:r>
-              <a:rPr lang="en-US" dirty="0" smtClean="0"/>
-              <a:t> </a:t>
-            </a:r>
-            <a:r>
-              <a:rPr lang="en-US" dirty="0" err="1" smtClean="0"/>
-              <a:t>khi</a:t>
-            </a:r>
-            <a:r>
-              <a:rPr lang="en-US" dirty="0"/>
-              <a:t> </a:t>
-            </a:r>
-            <a:r>
-              <a:rPr lang="en-US" dirty="0" err="1" smtClean="0"/>
-              <a:t>lấy</a:t>
-            </a:r>
-            <a:r>
-              <a:rPr lang="en-US" dirty="0" smtClean="0"/>
-              <a:t> code </a:t>
-            </a:r>
-            <a:r>
-              <a:rPr lang="en-US" dirty="0" err="1" smtClean="0"/>
-              <a:t>về</a:t>
-            </a:r>
-            <a:r>
-              <a:rPr lang="en-US" dirty="0" smtClean="0"/>
-              <a:t> </a:t>
-            </a:r>
-            <a:r>
-              <a:rPr lang="en-US" dirty="0" err="1" smtClean="0"/>
-              <a:t>phải</a:t>
-            </a:r>
-            <a:r>
-              <a:rPr lang="en-US" dirty="0" smtClean="0"/>
-              <a:t> </a:t>
-            </a:r>
-            <a:r>
-              <a:rPr lang="en-US" dirty="0" err="1" smtClean="0"/>
-              <a:t>tải</a:t>
-            </a:r>
-            <a:r>
-              <a:rPr lang="en-US" dirty="0" smtClean="0"/>
-              <a:t> </a:t>
-            </a:r>
-            <a:r>
-              <a:rPr lang="en-US" dirty="0" err="1" smtClean="0"/>
-              <a:t>bộ</a:t>
-            </a:r>
-            <a:r>
-              <a:rPr lang="en-US" dirty="0" smtClean="0"/>
-              <a:t> module </a:t>
-            </a:r>
-            <a:r>
-              <a:rPr lang="en-US" dirty="0" err="1" smtClean="0"/>
-              <a:t>mới</a:t>
-            </a:r>
-            <a:r>
-              <a:rPr lang="en-US" dirty="0" smtClean="0"/>
-              <a:t> </a:t>
-            </a:r>
-            <a:r>
-              <a:rPr lang="en-US" dirty="0" err="1" smtClean="0"/>
-              <a:t>theo</a:t>
-            </a:r>
-            <a:r>
-              <a:rPr lang="en-US" dirty="0" smtClean="0"/>
-              <a:t> </a:t>
-            </a:r>
-            <a:r>
-              <a:rPr lang="en-US" dirty="0" err="1" smtClean="0"/>
-              <a:t>đúng</a:t>
-            </a:r>
-            <a:r>
-              <a:rPr lang="en-US" dirty="0" smtClean="0"/>
-              <a:t> version </a:t>
-            </a:r>
-            <a:r>
-              <a:rPr lang="en-US" dirty="0" err="1" smtClean="0"/>
-              <a:t>của</a:t>
-            </a:r>
-            <a:r>
-              <a:rPr lang="en-US" dirty="0" smtClean="0"/>
-              <a:t> </a:t>
-            </a:r>
-            <a:r>
-              <a:rPr lang="en-US" dirty="0" err="1" smtClean="0"/>
-              <a:t>người</a:t>
-            </a:r>
-            <a:r>
-              <a:rPr lang="en-US" dirty="0" smtClean="0"/>
-              <a:t> </a:t>
-            </a:r>
-            <a:r>
-              <a:rPr lang="en-US" dirty="0" err="1" smtClean="0"/>
-              <a:t>tạo</a:t>
-            </a:r>
-            <a:r>
-              <a:rPr lang="en-US" dirty="0" smtClean="0"/>
-              <a:t> game</a:t>
-            </a:r>
-          </a:p>
-          <a:p>
-            <a:pPr marL="457200" lvl="1" indent="0">
-              <a:buNone/>
-            </a:pPr>
-            <a:r>
-              <a:rPr lang="en-US" dirty="0"/>
-              <a:t>	</a:t>
-            </a:r>
-            <a:r>
-              <a:rPr lang="en-US" dirty="0" smtClean="0"/>
-              <a:t>Unity </a:t>
-            </a:r>
-            <a:r>
-              <a:rPr lang="en-US" dirty="0" err="1" smtClean="0"/>
-              <a:t>khá</a:t>
-            </a:r>
-            <a:r>
-              <a:rPr lang="en-US" dirty="0" smtClean="0"/>
-              <a:t> </a:t>
-            </a:r>
-            <a:r>
-              <a:rPr lang="en-US" dirty="0" err="1" smtClean="0"/>
-              <a:t>nặng</a:t>
-            </a:r>
-            <a:r>
-              <a:rPr lang="en-US" dirty="0" smtClean="0"/>
-              <a:t> </a:t>
-            </a:r>
-            <a:r>
-              <a:rPr lang="en-US" dirty="0" err="1" smtClean="0"/>
-              <a:t>khởi</a:t>
-            </a:r>
-            <a:r>
-              <a:rPr lang="en-US" dirty="0" smtClean="0"/>
-              <a:t> </a:t>
-            </a:r>
-            <a:r>
-              <a:rPr lang="en-US" dirty="0" err="1" smtClean="0"/>
-              <a:t>động</a:t>
-            </a:r>
-            <a:r>
-              <a:rPr lang="en-US" dirty="0" smtClean="0"/>
-              <a:t> </a:t>
-            </a:r>
-            <a:r>
-              <a:rPr lang="en-US" dirty="0" err="1" smtClean="0"/>
-              <a:t>chậm</a:t>
-            </a:r>
-            <a:r>
-              <a:rPr lang="en-US" dirty="0" smtClean="0"/>
-              <a:t>, </a:t>
-            </a:r>
-            <a:r>
-              <a:rPr lang="en-US" dirty="0" err="1" smtClean="0"/>
-              <a:t>chạy</a:t>
-            </a:r>
-            <a:r>
-              <a:rPr lang="en-US" dirty="0" smtClean="0"/>
-              <a:t> </a:t>
-            </a:r>
-            <a:r>
-              <a:rPr lang="en-US" dirty="0" err="1" smtClean="0"/>
-              <a:t>tốn</a:t>
-            </a:r>
-            <a:r>
-              <a:rPr lang="en-US" dirty="0" smtClean="0"/>
-              <a:t> </a:t>
-            </a:r>
-            <a:r>
-              <a:rPr lang="en-US" dirty="0" err="1" smtClean="0"/>
-              <a:t>tài</a:t>
-            </a:r>
-            <a:r>
-              <a:rPr lang="en-US" dirty="0" smtClean="0"/>
-              <a:t> </a:t>
-            </a:r>
-            <a:r>
-              <a:rPr lang="en-US" dirty="0" err="1" smtClean="0"/>
-              <a:t>nguyên</a:t>
-            </a:r>
-            <a:endParaRPr lang="en-US" dirty="0" smtClean="0"/>
-          </a:p>
-        </p:txBody>
-      </p:sp>
-    </p:spTree>
-    <p:extLst>
-      <p:ext uri="{BB962C8B-B14F-4D97-AF65-F5344CB8AC3E}">
-        <p14:creationId xmlns:p14="http://schemas.microsoft.com/office/powerpoint/2010/main" val="2827673411"/>
-      </p:ext>
-    </p:extLst>
-  </p:cSld>
-  <p:clrMapOvr>
-    <a:masterClrMapping/>
-  </p:clrMapOvr>
-</p:sld>
-</file>
-
 <file path=ppt/slides/slide2.xml><?xml version="1.0" encoding="utf-8"?>
 <p:sld xmlns:a="http://schemas.openxmlformats.org/drawingml/2006/main" xmlns:r="http://schemas.openxmlformats.org/officeDocument/2006/relationships" xmlns:p="http://schemas.openxmlformats.org/presentationml/2006/main">
   <p:cSld>
@@ -5225,6 +5861,768 @@
           <a:p>
             <a:r>
               <a:rPr lang="en-US" dirty="0" err="1" smtClean="0"/>
+              <a:t>Hiệu</a:t>
+            </a:r>
+            <a:r>
+              <a:rPr lang="en-US" dirty="0" smtClean="0"/>
+              <a:t> </a:t>
+            </a:r>
+            <a:r>
+              <a:rPr lang="en-US" dirty="0" err="1" smtClean="0"/>
+              <a:t>suất</a:t>
+            </a:r>
+            <a:endParaRPr lang="en-US" dirty="0"/>
+          </a:p>
+        </p:txBody>
+      </p:sp>
+      <p:sp>
+        <p:nvSpPr>
+          <p:cNvPr id="3" name="Content Placeholder 2"/>
+          <p:cNvSpPr>
+            <a:spLocks noGrp="1"/>
+          </p:cNvSpPr>
+          <p:nvPr>
+            <p:ph idx="1"/>
+          </p:nvPr>
+        </p:nvSpPr>
+        <p:spPr/>
+        <p:txBody>
+          <a:bodyPr/>
+          <a:lstStyle/>
+          <a:p>
+            <a:r>
+              <a:rPr lang="en-US" dirty="0" err="1" smtClean="0"/>
+              <a:t>Giao</a:t>
+            </a:r>
+            <a:r>
+              <a:rPr lang="en-US" dirty="0" smtClean="0"/>
+              <a:t> </a:t>
+            </a:r>
+            <a:r>
+              <a:rPr lang="en-US" dirty="0" err="1" smtClean="0"/>
+              <a:t>diện</a:t>
+            </a:r>
+            <a:r>
+              <a:rPr lang="en-US" dirty="0" smtClean="0"/>
+              <a:t> </a:t>
+            </a:r>
+            <a:r>
+              <a:rPr lang="en-US" dirty="0" err="1" smtClean="0"/>
+              <a:t>trực</a:t>
+            </a:r>
+            <a:r>
+              <a:rPr lang="en-US" dirty="0" smtClean="0"/>
+              <a:t> </a:t>
+            </a:r>
+            <a:r>
+              <a:rPr lang="en-US" dirty="0" err="1" smtClean="0"/>
+              <a:t>quan</a:t>
+            </a:r>
+            <a:r>
+              <a:rPr lang="en-US" dirty="0" smtClean="0"/>
+              <a:t> </a:t>
+            </a:r>
+            <a:r>
+              <a:rPr lang="en-US" dirty="0" err="1" smtClean="0"/>
+              <a:t>dễ</a:t>
+            </a:r>
+            <a:r>
+              <a:rPr lang="en-US" dirty="0" smtClean="0"/>
+              <a:t> </a:t>
+            </a:r>
+            <a:r>
+              <a:rPr lang="en-US" dirty="0" err="1" smtClean="0"/>
+              <a:t>dàng</a:t>
+            </a:r>
+            <a:r>
+              <a:rPr lang="en-US" dirty="0" smtClean="0"/>
+              <a:t> </a:t>
+            </a:r>
+            <a:r>
+              <a:rPr lang="en-US" dirty="0" err="1" smtClean="0"/>
+              <a:t>tạo</a:t>
+            </a:r>
+            <a:r>
+              <a:rPr lang="en-US" dirty="0" smtClean="0"/>
+              <a:t> </a:t>
+            </a:r>
+            <a:r>
+              <a:rPr lang="en-US" dirty="0" err="1" smtClean="0"/>
+              <a:t>ra</a:t>
+            </a:r>
+            <a:r>
+              <a:rPr lang="en-US" dirty="0" smtClean="0"/>
+              <a:t> </a:t>
+            </a:r>
+            <a:r>
+              <a:rPr lang="en-US" dirty="0" err="1" smtClean="0"/>
+              <a:t>các</a:t>
+            </a:r>
+            <a:r>
+              <a:rPr lang="en-US" dirty="0" smtClean="0"/>
+              <a:t> Component</a:t>
+            </a:r>
+          </a:p>
+          <a:p>
+            <a:r>
+              <a:rPr lang="en-US" dirty="0" err="1" smtClean="0"/>
+              <a:t>Tiết</a:t>
+            </a:r>
+            <a:r>
+              <a:rPr lang="en-US" dirty="0" smtClean="0"/>
+              <a:t> </a:t>
+            </a:r>
+            <a:r>
+              <a:rPr lang="en-US" dirty="0" err="1" smtClean="0"/>
+              <a:t>kiệm</a:t>
+            </a:r>
+            <a:r>
+              <a:rPr lang="en-US" dirty="0" smtClean="0"/>
+              <a:t> </a:t>
+            </a:r>
+            <a:r>
+              <a:rPr lang="en-US" dirty="0" err="1" smtClean="0"/>
+              <a:t>thời</a:t>
+            </a:r>
+            <a:r>
+              <a:rPr lang="en-US" dirty="0" smtClean="0"/>
+              <a:t> </a:t>
+            </a:r>
+            <a:r>
+              <a:rPr lang="en-US" dirty="0" err="1" smtClean="0"/>
+              <a:t>gian</a:t>
+            </a:r>
+            <a:r>
+              <a:rPr lang="en-US" dirty="0" smtClean="0"/>
+              <a:t> dev game</a:t>
+            </a:r>
+            <a:endParaRPr lang="en-US" dirty="0"/>
+          </a:p>
+        </p:txBody>
+      </p:sp>
+    </p:spTree>
+    <p:extLst>
+      <p:ext uri="{BB962C8B-B14F-4D97-AF65-F5344CB8AC3E}">
+        <p14:creationId xmlns:p14="http://schemas.microsoft.com/office/powerpoint/2010/main" val="3649913014"/>
+      </p:ext>
+    </p:extLst>
+  </p:cSld>
+  <p:clrMapOvr>
+    <a:masterClrMapping/>
+  </p:clrMapOvr>
+</p:sld>
+</file>
+
+<file path=ppt/slides/slide21.xml><?xml version="1.0" encoding="utf-8"?>
+<p:sld xmlns:a="http://schemas.openxmlformats.org/drawingml/2006/main" xmlns:r="http://schemas.openxmlformats.org/officeDocument/2006/relationships" xmlns:p="http://schemas.openxmlformats.org/presentationml/2006/main">
+  <p:cSld>
+    <p:spTree>
+      <p:nvGrpSpPr>
+        <p:cNvPr id="1" name=""/>
+        <p:cNvGrpSpPr/>
+        <p:nvPr/>
+      </p:nvGrpSpPr>
+      <p:grpSpPr>
+        <a:xfrm>
+          <a:off x="0" y="0"/>
+          <a:ext cx="0" cy="0"/>
+          <a:chOff x="0" y="0"/>
+          <a:chExt cx="0" cy="0"/>
+        </a:xfrm>
+      </p:grpSpPr>
+      <p:sp>
+        <p:nvSpPr>
+          <p:cNvPr id="2" name="Title 1"/>
+          <p:cNvSpPr>
+            <a:spLocks noGrp="1"/>
+          </p:cNvSpPr>
+          <p:nvPr>
+            <p:ph type="title"/>
+          </p:nvPr>
+        </p:nvSpPr>
+        <p:spPr/>
+        <p:txBody>
+          <a:bodyPr/>
+          <a:lstStyle/>
+          <a:p>
+            <a:r>
+              <a:rPr lang="en-US" dirty="0" err="1" smtClean="0"/>
+              <a:t>Ưu</a:t>
+            </a:r>
+            <a:r>
+              <a:rPr lang="en-US" dirty="0" smtClean="0"/>
+              <a:t> </a:t>
+            </a:r>
+            <a:r>
+              <a:rPr lang="en-US" dirty="0" err="1" smtClean="0"/>
+              <a:t>điểm</a:t>
+            </a:r>
+            <a:r>
+              <a:rPr lang="en-US" dirty="0" smtClean="0"/>
+              <a:t>, </a:t>
+            </a:r>
+            <a:r>
+              <a:rPr lang="en-US" dirty="0" err="1" smtClean="0"/>
+              <a:t>nhược</a:t>
+            </a:r>
+            <a:r>
+              <a:rPr lang="en-US" dirty="0" smtClean="0"/>
+              <a:t> </a:t>
+            </a:r>
+            <a:r>
+              <a:rPr lang="en-US" dirty="0" err="1" smtClean="0"/>
+              <a:t>điểm</a:t>
+            </a:r>
+            <a:endParaRPr lang="en-US" dirty="0"/>
+          </a:p>
+        </p:txBody>
+      </p:sp>
+      <p:sp>
+        <p:nvSpPr>
+          <p:cNvPr id="3" name="Content Placeholder 2"/>
+          <p:cNvSpPr>
+            <a:spLocks noGrp="1"/>
+          </p:cNvSpPr>
+          <p:nvPr>
+            <p:ph idx="1"/>
+          </p:nvPr>
+        </p:nvSpPr>
+        <p:spPr/>
+        <p:txBody>
+          <a:bodyPr>
+            <a:normAutofit fontScale="92500" lnSpcReduction="10000"/>
+          </a:bodyPr>
+          <a:lstStyle/>
+          <a:p>
+            <a:r>
+              <a:rPr lang="en-US" dirty="0" err="1" smtClean="0"/>
+              <a:t>Ưu</a:t>
+            </a:r>
+            <a:r>
+              <a:rPr lang="en-US" dirty="0" smtClean="0"/>
+              <a:t> </a:t>
+            </a:r>
+            <a:r>
+              <a:rPr lang="en-US" dirty="0" err="1" smtClean="0"/>
+              <a:t>Điểm</a:t>
+            </a:r>
+            <a:endParaRPr lang="en-US" dirty="0" smtClean="0"/>
+          </a:p>
+          <a:p>
+            <a:pPr marL="0" indent="0">
+              <a:buNone/>
+            </a:pPr>
+            <a:r>
+              <a:rPr lang="en-US" dirty="0" smtClean="0"/>
+              <a:t>	Kho </a:t>
+            </a:r>
+            <a:r>
+              <a:rPr lang="en-US" dirty="0" err="1" smtClean="0"/>
+              <a:t>tài</a:t>
+            </a:r>
+            <a:r>
+              <a:rPr lang="en-US" dirty="0" smtClean="0"/>
+              <a:t> </a:t>
+            </a:r>
+            <a:r>
+              <a:rPr lang="en-US" dirty="0" err="1" smtClean="0"/>
+              <a:t>nguyên</a:t>
+            </a:r>
+            <a:r>
+              <a:rPr lang="en-US" dirty="0" smtClean="0"/>
+              <a:t> </a:t>
+            </a:r>
+            <a:r>
+              <a:rPr lang="en-US" dirty="0" err="1" smtClean="0"/>
+              <a:t>khổng</a:t>
+            </a:r>
+            <a:r>
+              <a:rPr lang="en-US" dirty="0" smtClean="0"/>
+              <a:t> </a:t>
+            </a:r>
+            <a:r>
+              <a:rPr lang="en-US" dirty="0" err="1" smtClean="0"/>
+              <a:t>lồ</a:t>
+            </a:r>
+            <a:r>
+              <a:rPr lang="en-US" dirty="0" smtClean="0"/>
+              <a:t> </a:t>
+            </a:r>
+            <a:r>
+              <a:rPr lang="en-US" dirty="0" err="1" smtClean="0"/>
+              <a:t>được</a:t>
+            </a:r>
+            <a:r>
+              <a:rPr lang="en-US" dirty="0" smtClean="0"/>
+              <a:t> </a:t>
+            </a:r>
+            <a:r>
+              <a:rPr lang="en-US" dirty="0" err="1" smtClean="0"/>
+              <a:t>hỗ</a:t>
+            </a:r>
+            <a:r>
+              <a:rPr lang="en-US" dirty="0" smtClean="0"/>
+              <a:t> </a:t>
+            </a:r>
+            <a:r>
+              <a:rPr lang="en-US" dirty="0" err="1" smtClean="0"/>
+              <a:t>trợ</a:t>
+            </a:r>
+            <a:r>
+              <a:rPr lang="en-US" dirty="0" smtClean="0"/>
+              <a:t> </a:t>
+            </a:r>
+            <a:r>
+              <a:rPr lang="en-US" dirty="0" err="1" smtClean="0"/>
+              <a:t>đầy</a:t>
+            </a:r>
+            <a:r>
+              <a:rPr lang="en-US" dirty="0" smtClean="0"/>
+              <a:t> </a:t>
+            </a:r>
+            <a:r>
+              <a:rPr lang="en-US" dirty="0" err="1" smtClean="0"/>
+              <a:t>đủ</a:t>
+            </a:r>
+            <a:r>
+              <a:rPr lang="en-US" dirty="0" smtClean="0"/>
+              <a:t>	</a:t>
+            </a:r>
+            <a:r>
+              <a:rPr lang="en-US" sz="2400" dirty="0" smtClean="0"/>
+              <a:t>https</a:t>
+            </a:r>
+            <a:r>
+              <a:rPr lang="en-US" sz="2400" dirty="0"/>
+              <a:t>://assetstore.unity.com/</a:t>
+            </a:r>
+            <a:endParaRPr lang="en-US" sz="2400" dirty="0" smtClean="0"/>
+          </a:p>
+          <a:p>
+            <a:pPr marL="0" indent="0">
+              <a:buNone/>
+            </a:pPr>
+            <a:r>
+              <a:rPr lang="en-US" dirty="0" smtClean="0"/>
+              <a:t>	</a:t>
+            </a:r>
+            <a:r>
+              <a:rPr lang="en-US" dirty="0" err="1" smtClean="0"/>
+              <a:t>Cộng</a:t>
+            </a:r>
+            <a:r>
+              <a:rPr lang="en-US" dirty="0" smtClean="0"/>
+              <a:t> </a:t>
+            </a:r>
+            <a:r>
+              <a:rPr lang="en-US" dirty="0" err="1" smtClean="0"/>
+              <a:t>đồng</a:t>
+            </a:r>
+            <a:r>
+              <a:rPr lang="en-US" dirty="0" smtClean="0"/>
+              <a:t> </a:t>
+            </a:r>
+            <a:r>
+              <a:rPr lang="en-US" dirty="0" err="1" smtClean="0"/>
+              <a:t>lớn</a:t>
+            </a:r>
+            <a:r>
+              <a:rPr lang="en-US" dirty="0" smtClean="0"/>
+              <a:t>: </a:t>
+            </a:r>
+            <a:r>
+              <a:rPr lang="en-US" sz="2400" dirty="0">
+                <a:hlinkClick r:id="rId2"/>
+              </a:rPr>
+              <a:t>https://</a:t>
+            </a:r>
+            <a:r>
+              <a:rPr lang="en-US" sz="2400" dirty="0" smtClean="0">
+                <a:hlinkClick r:id="rId2"/>
+              </a:rPr>
+              <a:t>forum.unity.com/</a:t>
+            </a:r>
+            <a:endParaRPr lang="en-US" sz="2400" dirty="0" smtClean="0"/>
+          </a:p>
+          <a:p>
+            <a:pPr marL="0" indent="0">
+              <a:buNone/>
+            </a:pPr>
+            <a:r>
+              <a:rPr lang="en-US" dirty="0"/>
+              <a:t>	</a:t>
+            </a:r>
+            <a:r>
+              <a:rPr lang="en-US" dirty="0" err="1"/>
+              <a:t>T</a:t>
+            </a:r>
+            <a:r>
+              <a:rPr lang="en-US" dirty="0" err="1" smtClean="0"/>
+              <a:t>ài</a:t>
+            </a:r>
+            <a:r>
+              <a:rPr lang="en-US" dirty="0" smtClean="0"/>
+              <a:t> </a:t>
+            </a:r>
+            <a:r>
+              <a:rPr lang="en-US" dirty="0" err="1" smtClean="0"/>
+              <a:t>liệu</a:t>
+            </a:r>
+            <a:r>
+              <a:rPr lang="en-US" dirty="0" smtClean="0"/>
+              <a:t> </a:t>
+            </a:r>
+            <a:r>
+              <a:rPr lang="en-US" dirty="0" err="1" smtClean="0"/>
+              <a:t>nhiều</a:t>
+            </a:r>
+            <a:r>
+              <a:rPr lang="en-US" dirty="0"/>
+              <a:t>: </a:t>
+            </a:r>
+            <a:endParaRPr lang="en-US" dirty="0" smtClean="0"/>
+          </a:p>
+          <a:p>
+            <a:pPr marL="0" indent="0">
+              <a:buNone/>
+            </a:pPr>
+            <a:r>
+              <a:rPr lang="en-US" dirty="0" smtClean="0"/>
+              <a:t>	</a:t>
+            </a:r>
+            <a:r>
+              <a:rPr lang="en-US" sz="2400" dirty="0" smtClean="0"/>
+              <a:t>https</a:t>
+            </a:r>
+            <a:r>
+              <a:rPr lang="en-US" sz="2400" dirty="0"/>
+              <a:t>://docs.unity3d.com/Manual/index.html</a:t>
+            </a:r>
+            <a:r>
+              <a:rPr lang="en-US" dirty="0"/>
+              <a:t>	</a:t>
+            </a:r>
+            <a:r>
+              <a:rPr lang="en-US" sz="2400" dirty="0"/>
+              <a:t>https://docs.unity3d.com/ScriptReference/index.html</a:t>
+            </a:r>
+            <a:endParaRPr lang="en-US" sz="2400" dirty="0" smtClean="0"/>
+          </a:p>
+          <a:p>
+            <a:r>
+              <a:rPr lang="en-US" dirty="0" err="1" smtClean="0"/>
+              <a:t>Nhược</a:t>
+            </a:r>
+            <a:r>
+              <a:rPr lang="en-US" dirty="0" smtClean="0"/>
+              <a:t> </a:t>
+            </a:r>
+            <a:r>
+              <a:rPr lang="en-US" dirty="0" err="1" smtClean="0"/>
+              <a:t>Điểm</a:t>
+            </a:r>
+            <a:endParaRPr lang="en-US" dirty="0" smtClean="0"/>
+          </a:p>
+          <a:p>
+            <a:pPr marL="457200" lvl="1" indent="0">
+              <a:buNone/>
+            </a:pPr>
+            <a:r>
+              <a:rPr lang="en-US" dirty="0"/>
+              <a:t>	</a:t>
+            </a:r>
+            <a:r>
+              <a:rPr lang="en-US" dirty="0" err="1" smtClean="0"/>
+              <a:t>Mỗi</a:t>
+            </a:r>
+            <a:r>
+              <a:rPr lang="en-US" dirty="0" smtClean="0"/>
+              <a:t> version </a:t>
+            </a:r>
+            <a:r>
+              <a:rPr lang="en-US" dirty="0" err="1" smtClean="0"/>
+              <a:t>của</a:t>
+            </a:r>
+            <a:r>
+              <a:rPr lang="en-US" dirty="0" smtClean="0"/>
+              <a:t> Unity </a:t>
+            </a:r>
+            <a:r>
+              <a:rPr lang="en-US" dirty="0" err="1" smtClean="0"/>
+              <a:t>có</a:t>
+            </a:r>
+            <a:r>
+              <a:rPr lang="en-US" dirty="0" smtClean="0"/>
+              <a:t> 1 </a:t>
+            </a:r>
+            <a:r>
+              <a:rPr lang="en-US" dirty="0" err="1" smtClean="0"/>
+              <a:t>bộ</a:t>
+            </a:r>
+            <a:r>
+              <a:rPr lang="en-US" dirty="0" smtClean="0"/>
+              <a:t> module </a:t>
+            </a:r>
+            <a:r>
+              <a:rPr lang="en-US" dirty="0" err="1" smtClean="0"/>
+              <a:t>khác</a:t>
+            </a:r>
+            <a:r>
+              <a:rPr lang="en-US" dirty="0" smtClean="0"/>
+              <a:t> </a:t>
+            </a:r>
+            <a:r>
+              <a:rPr lang="en-US" dirty="0" err="1" smtClean="0"/>
+              <a:t>nhau</a:t>
+            </a:r>
+            <a:r>
+              <a:rPr lang="en-US" dirty="0" smtClean="0"/>
+              <a:t>, </a:t>
+            </a:r>
+            <a:r>
+              <a:rPr lang="en-US" dirty="0" err="1" smtClean="0"/>
+              <a:t>dẫn</a:t>
+            </a:r>
+            <a:r>
+              <a:rPr lang="en-US" dirty="0" smtClean="0"/>
+              <a:t> </a:t>
+            </a:r>
+            <a:r>
+              <a:rPr lang="en-US" dirty="0" err="1" smtClean="0"/>
+              <a:t>đến</a:t>
+            </a:r>
+            <a:r>
+              <a:rPr lang="en-US" dirty="0" smtClean="0"/>
+              <a:t> </a:t>
+            </a:r>
+            <a:r>
+              <a:rPr lang="en-US" dirty="0" err="1" smtClean="0"/>
+              <a:t>khi</a:t>
+            </a:r>
+            <a:r>
+              <a:rPr lang="en-US" dirty="0"/>
+              <a:t> </a:t>
+            </a:r>
+            <a:r>
+              <a:rPr lang="en-US" dirty="0" err="1" smtClean="0"/>
+              <a:t>lấy</a:t>
+            </a:r>
+            <a:r>
+              <a:rPr lang="en-US" dirty="0" smtClean="0"/>
+              <a:t> code </a:t>
+            </a:r>
+            <a:r>
+              <a:rPr lang="en-US" dirty="0" err="1" smtClean="0"/>
+              <a:t>về</a:t>
+            </a:r>
+            <a:r>
+              <a:rPr lang="en-US" dirty="0" smtClean="0"/>
+              <a:t> </a:t>
+            </a:r>
+            <a:r>
+              <a:rPr lang="en-US" dirty="0" err="1" smtClean="0"/>
+              <a:t>phải</a:t>
+            </a:r>
+            <a:r>
+              <a:rPr lang="en-US" dirty="0" smtClean="0"/>
+              <a:t> </a:t>
+            </a:r>
+            <a:r>
+              <a:rPr lang="en-US" dirty="0" err="1" smtClean="0"/>
+              <a:t>tải</a:t>
+            </a:r>
+            <a:r>
+              <a:rPr lang="en-US" dirty="0" smtClean="0"/>
+              <a:t> </a:t>
+            </a:r>
+            <a:r>
+              <a:rPr lang="en-US" dirty="0" err="1" smtClean="0"/>
+              <a:t>bộ</a:t>
+            </a:r>
+            <a:r>
+              <a:rPr lang="en-US" dirty="0" smtClean="0"/>
+              <a:t> module </a:t>
+            </a:r>
+            <a:r>
+              <a:rPr lang="en-US" dirty="0" err="1" smtClean="0"/>
+              <a:t>mới</a:t>
+            </a:r>
+            <a:r>
+              <a:rPr lang="en-US" dirty="0" smtClean="0"/>
+              <a:t> </a:t>
+            </a:r>
+            <a:r>
+              <a:rPr lang="en-US" dirty="0" err="1" smtClean="0"/>
+              <a:t>theo</a:t>
+            </a:r>
+            <a:r>
+              <a:rPr lang="en-US" dirty="0" smtClean="0"/>
+              <a:t> </a:t>
+            </a:r>
+            <a:r>
+              <a:rPr lang="en-US" dirty="0" err="1" smtClean="0"/>
+              <a:t>đúng</a:t>
+            </a:r>
+            <a:r>
+              <a:rPr lang="en-US" dirty="0" smtClean="0"/>
+              <a:t> version </a:t>
+            </a:r>
+            <a:r>
+              <a:rPr lang="en-US" dirty="0" err="1" smtClean="0"/>
+              <a:t>của</a:t>
+            </a:r>
+            <a:r>
+              <a:rPr lang="en-US" dirty="0" smtClean="0"/>
+              <a:t> </a:t>
+            </a:r>
+            <a:r>
+              <a:rPr lang="en-US" dirty="0" err="1" smtClean="0"/>
+              <a:t>người</a:t>
+            </a:r>
+            <a:r>
+              <a:rPr lang="en-US" dirty="0" smtClean="0"/>
+              <a:t> </a:t>
+            </a:r>
+            <a:r>
+              <a:rPr lang="en-US" dirty="0" err="1" smtClean="0"/>
+              <a:t>tạo</a:t>
+            </a:r>
+            <a:r>
+              <a:rPr lang="en-US" dirty="0" smtClean="0"/>
+              <a:t> game</a:t>
+            </a:r>
+          </a:p>
+          <a:p>
+            <a:pPr marL="457200" lvl="1" indent="0">
+              <a:buNone/>
+            </a:pPr>
+            <a:r>
+              <a:rPr lang="en-US" dirty="0"/>
+              <a:t>	</a:t>
+            </a:r>
+            <a:r>
+              <a:rPr lang="en-US" dirty="0" smtClean="0"/>
+              <a:t>Unity </a:t>
+            </a:r>
+            <a:r>
+              <a:rPr lang="en-US" dirty="0" err="1" smtClean="0"/>
+              <a:t>khá</a:t>
+            </a:r>
+            <a:r>
+              <a:rPr lang="en-US" dirty="0" smtClean="0"/>
+              <a:t> </a:t>
+            </a:r>
+            <a:r>
+              <a:rPr lang="en-US" dirty="0" err="1" smtClean="0"/>
+              <a:t>nặng</a:t>
+            </a:r>
+            <a:r>
+              <a:rPr lang="en-US" dirty="0" smtClean="0"/>
+              <a:t> </a:t>
+            </a:r>
+            <a:r>
+              <a:rPr lang="en-US" dirty="0" err="1" smtClean="0"/>
+              <a:t>khởi</a:t>
+            </a:r>
+            <a:r>
+              <a:rPr lang="en-US" dirty="0" smtClean="0"/>
+              <a:t> </a:t>
+            </a:r>
+            <a:r>
+              <a:rPr lang="en-US" dirty="0" err="1" smtClean="0"/>
+              <a:t>động</a:t>
+            </a:r>
+            <a:r>
+              <a:rPr lang="en-US" dirty="0" smtClean="0"/>
+              <a:t> </a:t>
+            </a:r>
+            <a:r>
+              <a:rPr lang="en-US" dirty="0" err="1" smtClean="0"/>
+              <a:t>chậm</a:t>
+            </a:r>
+            <a:r>
+              <a:rPr lang="en-US" dirty="0" smtClean="0"/>
+              <a:t>, </a:t>
+            </a:r>
+            <a:r>
+              <a:rPr lang="en-US" dirty="0" err="1" smtClean="0"/>
+              <a:t>chạy</a:t>
+            </a:r>
+            <a:r>
+              <a:rPr lang="en-US" dirty="0" smtClean="0"/>
+              <a:t> </a:t>
+            </a:r>
+            <a:r>
+              <a:rPr lang="en-US" dirty="0" err="1" smtClean="0"/>
+              <a:t>tốn</a:t>
+            </a:r>
+            <a:r>
+              <a:rPr lang="en-US" dirty="0" smtClean="0"/>
+              <a:t> </a:t>
+            </a:r>
+            <a:r>
+              <a:rPr lang="en-US" dirty="0" err="1" smtClean="0"/>
+              <a:t>tài</a:t>
+            </a:r>
+            <a:r>
+              <a:rPr lang="en-US" dirty="0" smtClean="0"/>
+              <a:t> </a:t>
+            </a:r>
+            <a:r>
+              <a:rPr lang="en-US" dirty="0" err="1" smtClean="0"/>
+              <a:t>nguyên</a:t>
+            </a:r>
+            <a:endParaRPr lang="en-US" dirty="0" smtClean="0"/>
+          </a:p>
+        </p:txBody>
+      </p:sp>
+    </p:spTree>
+    <p:extLst>
+      <p:ext uri="{BB962C8B-B14F-4D97-AF65-F5344CB8AC3E}">
+        <p14:creationId xmlns:p14="http://schemas.microsoft.com/office/powerpoint/2010/main" val="2827673411"/>
+      </p:ext>
+    </p:extLst>
+  </p:cSld>
+  <p:clrMapOvr>
+    <a:masterClrMapping/>
+  </p:clrMapOvr>
+</p:sld>
+</file>
+
+<file path=ppt/slides/slide22.xml><?xml version="1.0" encoding="utf-8"?>
+<p:sld xmlns:a="http://schemas.openxmlformats.org/drawingml/2006/main" xmlns:r="http://schemas.openxmlformats.org/officeDocument/2006/relationships" xmlns:p="http://schemas.openxmlformats.org/presentationml/2006/main">
+  <p:cSld>
+    <p:spTree>
+      <p:nvGrpSpPr>
+        <p:cNvPr id="1" name=""/>
+        <p:cNvGrpSpPr/>
+        <p:nvPr/>
+      </p:nvGrpSpPr>
+      <p:grpSpPr>
+        <a:xfrm>
+          <a:off x="0" y="0"/>
+          <a:ext cx="0" cy="0"/>
+          <a:chOff x="0" y="0"/>
+          <a:chExt cx="0" cy="0"/>
+        </a:xfrm>
+      </p:grpSpPr>
+      <p:sp>
+        <p:nvSpPr>
+          <p:cNvPr id="2" name="Title 1"/>
+          <p:cNvSpPr>
+            <a:spLocks noGrp="1"/>
+          </p:cNvSpPr>
+          <p:nvPr>
+            <p:ph type="title"/>
+          </p:nvPr>
+        </p:nvSpPr>
+        <p:spPr/>
+        <p:txBody>
+          <a:bodyPr/>
+          <a:lstStyle/>
+          <a:p>
+            <a:r>
+              <a:rPr lang="en-US" dirty="0" err="1" smtClean="0"/>
               <a:t>Kết</a:t>
             </a:r>
             <a:r>
@@ -5632,7 +7030,7 @@
 </p:sld>
 </file>
 
-<file path=ppt/slides/slide21.xml><?xml version="1.0" encoding="utf-8"?>
+<file path=ppt/slides/slide23.xml><?xml version="1.0" encoding="utf-8"?>
 <p:sld xmlns:a="http://schemas.openxmlformats.org/drawingml/2006/main" xmlns:r="http://schemas.openxmlformats.org/officeDocument/2006/relationships" xmlns:p="http://schemas.openxmlformats.org/presentationml/2006/main">
   <p:cSld>
     <p:spTree>
@@ -5987,184 +7385,40 @@
           <a:chExt cx="0" cy="0"/>
         </a:xfrm>
       </p:grpSpPr>
-      <p:sp>
-        <p:nvSpPr>
-          <p:cNvPr id="2" name="Title 1"/>
-          <p:cNvSpPr>
-            <a:spLocks noGrp="1"/>
-          </p:cNvSpPr>
-          <p:nvPr>
-            <p:ph type="title"/>
-          </p:nvPr>
-        </p:nvSpPr>
-        <p:spPr/>
-        <p:txBody>
-          <a:bodyPr/>
-          <a:lstStyle/>
-          <a:p>
-            <a:r>
-              <a:rPr lang="en-US" dirty="0" err="1" smtClean="0"/>
-              <a:t>Phạm</a:t>
-            </a:r>
-            <a:r>
-              <a:rPr lang="en-US" dirty="0" smtClean="0"/>
-              <a:t> vi </a:t>
-            </a:r>
-            <a:r>
-              <a:rPr lang="en-US" dirty="0" err="1" smtClean="0"/>
-              <a:t>tìm</a:t>
-            </a:r>
-            <a:r>
-              <a:rPr lang="en-US" dirty="0" smtClean="0"/>
-              <a:t> </a:t>
-            </a:r>
-            <a:r>
-              <a:rPr lang="en-US" dirty="0" err="1" smtClean="0"/>
-              <a:t>hiểu</a:t>
-            </a:r>
-            <a:endParaRPr lang="en-US" dirty="0"/>
-          </a:p>
-        </p:txBody>
-      </p:sp>
-      <p:sp>
-        <p:nvSpPr>
-          <p:cNvPr id="3" name="Content Placeholder 2"/>
-          <p:cNvSpPr>
-            <a:spLocks noGrp="1"/>
-          </p:cNvSpPr>
-          <p:nvPr>
-            <p:ph idx="1"/>
-          </p:nvPr>
-        </p:nvSpPr>
-        <p:spPr/>
-        <p:txBody>
-          <a:bodyPr/>
-          <a:lstStyle/>
-          <a:p>
-            <a:r>
-              <a:rPr lang="en-US" dirty="0" err="1" smtClean="0"/>
-              <a:t>Tập</a:t>
-            </a:r>
-            <a:r>
-              <a:rPr lang="en-US" dirty="0" smtClean="0"/>
-              <a:t> </a:t>
-            </a:r>
-            <a:r>
-              <a:rPr lang="en-US" dirty="0" err="1" smtClean="0"/>
-              <a:t>trung</a:t>
-            </a:r>
-            <a:r>
-              <a:rPr lang="en-US" dirty="0"/>
-              <a:t> </a:t>
-            </a:r>
-            <a:r>
-              <a:rPr lang="en-US" dirty="0" err="1" smtClean="0"/>
-              <a:t>vào</a:t>
-            </a:r>
-            <a:r>
-              <a:rPr lang="en-US" dirty="0" smtClean="0"/>
-              <a:t> </a:t>
-            </a:r>
-            <a:r>
-              <a:rPr lang="en-US" dirty="0" err="1" smtClean="0"/>
-              <a:t>khả</a:t>
-            </a:r>
-            <a:r>
-              <a:rPr lang="en-US" dirty="0" smtClean="0"/>
-              <a:t> </a:t>
-            </a:r>
-            <a:r>
-              <a:rPr lang="en-US" dirty="0" err="1" smtClean="0"/>
-              <a:t>năng</a:t>
-            </a:r>
-            <a:r>
-              <a:rPr lang="en-US" dirty="0" smtClean="0"/>
-              <a:t> </a:t>
-            </a:r>
-            <a:r>
-              <a:rPr lang="en-US" dirty="0" err="1" smtClean="0"/>
-              <a:t>tiếp</a:t>
-            </a:r>
-            <a:r>
-              <a:rPr lang="en-US" dirty="0" smtClean="0"/>
-              <a:t> </a:t>
-            </a:r>
-            <a:r>
-              <a:rPr lang="en-US" dirty="0" err="1" smtClean="0"/>
-              <a:t>nhận</a:t>
-            </a:r>
-            <a:r>
-              <a:rPr lang="en-US" dirty="0" smtClean="0"/>
-              <a:t>, </a:t>
-            </a:r>
-            <a:r>
-              <a:rPr lang="en-US" dirty="0" err="1" smtClean="0"/>
-              <a:t>triển</a:t>
-            </a:r>
-            <a:r>
-              <a:rPr lang="en-US" dirty="0" smtClean="0"/>
-              <a:t> </a:t>
-            </a:r>
-            <a:r>
-              <a:rPr lang="en-US" dirty="0" err="1" smtClean="0"/>
-              <a:t>khai</a:t>
-            </a:r>
-            <a:r>
-              <a:rPr lang="en-US" dirty="0" smtClean="0"/>
-              <a:t> </a:t>
-            </a:r>
-            <a:r>
-              <a:rPr lang="en-US" dirty="0" err="1" smtClean="0"/>
-              <a:t>và</a:t>
-            </a:r>
-            <a:r>
-              <a:rPr lang="en-US" dirty="0" smtClean="0"/>
-              <a:t> </a:t>
-            </a:r>
-            <a:r>
-              <a:rPr lang="en-US" dirty="0" err="1" smtClean="0"/>
-              <a:t>phát</a:t>
-            </a:r>
-            <a:r>
-              <a:rPr lang="en-US" dirty="0" smtClean="0"/>
-              <a:t> </a:t>
-            </a:r>
-            <a:r>
-              <a:rPr lang="en-US" dirty="0" err="1" smtClean="0"/>
-              <a:t>triển</a:t>
-            </a:r>
-            <a:r>
-              <a:rPr lang="en-US" dirty="0" smtClean="0"/>
-              <a:t> game </a:t>
-            </a:r>
-            <a:r>
-              <a:rPr lang="en-US" dirty="0" err="1" smtClean="0"/>
-              <a:t>từ</a:t>
-            </a:r>
-            <a:r>
-              <a:rPr lang="en-US" dirty="0" smtClean="0"/>
-              <a:t> source </a:t>
-            </a:r>
-            <a:r>
-              <a:rPr lang="en-US" dirty="0" err="1" smtClean="0"/>
-              <a:t>có</a:t>
-            </a:r>
-            <a:r>
-              <a:rPr lang="en-US" dirty="0" smtClean="0"/>
-              <a:t> </a:t>
-            </a:r>
-            <a:r>
-              <a:rPr lang="en-US" dirty="0" err="1" smtClean="0"/>
-              <a:t>sẵn</a:t>
-            </a:r>
-            <a:endParaRPr lang="en-US" dirty="0"/>
-          </a:p>
-        </p:txBody>
-      </p:sp>
+      <p:pic>
+        <p:nvPicPr>
+          <p:cNvPr id="4" name="Picture 3"/>
+          <p:cNvPicPr>
+            <a:picLocks noChangeAspect="1"/>
+          </p:cNvPicPr>
+          <p:nvPr/>
+        </p:nvPicPr>
+        <p:blipFill>
+          <a:blip r:embed="rId2">
+            <a:extLst>
+              <a:ext uri="{28A0092B-C50C-407E-A947-70E740481C1C}">
+                <a14:useLocalDpi xmlns:a14="http://schemas.microsoft.com/office/drawing/2010/main" val="0"/>
+              </a:ext>
+            </a:extLst>
+          </a:blip>
+          <a:stretch>
+            <a:fillRect/>
+          </a:stretch>
+        </p:blipFill>
+        <p:spPr>
+          <a:xfrm>
+            <a:off x="2088982" y="1263535"/>
+            <a:ext cx="8019294" cy="4347999"/>
+          </a:xfrm>
+          <a:prstGeom prst="rect">
+            <a:avLst/>
+          </a:prstGeom>
+        </p:spPr>
+      </p:pic>
     </p:spTree>
     <p:extLst>
       <p:ext uri="{BB962C8B-B14F-4D97-AF65-F5344CB8AC3E}">
-        <p14:creationId xmlns:p14="http://schemas.microsoft.com/office/powerpoint/2010/main" val="3602515725"/>
+        <p14:creationId xmlns:p14="http://schemas.microsoft.com/office/powerpoint/2010/main" val="1018183578"/>
       </p:ext>
     </p:extLst>
   </p:cSld>
@@ -6208,6 +7462,210 @@
           <a:p>
             <a:r>
               <a:rPr lang="en-US" dirty="0" err="1" smtClean="0"/>
+              <a:t>Phạm</a:t>
+            </a:r>
+            <a:r>
+              <a:rPr lang="en-US" dirty="0" smtClean="0"/>
+              <a:t> vi </a:t>
+            </a:r>
+            <a:r>
+              <a:rPr lang="en-US" dirty="0" err="1" smtClean="0"/>
+              <a:t>tìm</a:t>
+            </a:r>
+            <a:r>
+              <a:rPr lang="en-US" dirty="0" smtClean="0"/>
+              <a:t> </a:t>
+            </a:r>
+            <a:r>
+              <a:rPr lang="en-US" dirty="0" err="1" smtClean="0"/>
+              <a:t>hiểu</a:t>
+            </a:r>
+            <a:endParaRPr lang="en-US" dirty="0"/>
+          </a:p>
+        </p:txBody>
+      </p:sp>
+      <p:sp>
+        <p:nvSpPr>
+          <p:cNvPr id="3" name="Content Placeholder 2"/>
+          <p:cNvSpPr>
+            <a:spLocks noGrp="1"/>
+          </p:cNvSpPr>
+          <p:nvPr>
+            <p:ph idx="1"/>
+          </p:nvPr>
+        </p:nvSpPr>
+        <p:spPr/>
+        <p:txBody>
+          <a:bodyPr/>
+          <a:lstStyle/>
+          <a:p>
+            <a:r>
+              <a:rPr lang="en-US" dirty="0" err="1" smtClean="0"/>
+              <a:t>Tập</a:t>
+            </a:r>
+            <a:r>
+              <a:rPr lang="en-US" dirty="0" smtClean="0"/>
+              <a:t> </a:t>
+            </a:r>
+            <a:r>
+              <a:rPr lang="en-US" dirty="0" err="1" smtClean="0"/>
+              <a:t>trung</a:t>
+            </a:r>
+            <a:r>
+              <a:rPr lang="en-US" dirty="0"/>
+              <a:t> </a:t>
+            </a:r>
+            <a:r>
+              <a:rPr lang="en-US" dirty="0" err="1" smtClean="0"/>
+              <a:t>vào</a:t>
+            </a:r>
+            <a:r>
+              <a:rPr lang="en-US" dirty="0" smtClean="0"/>
+              <a:t> </a:t>
+            </a:r>
+            <a:r>
+              <a:rPr lang="en-US" dirty="0" err="1" smtClean="0"/>
+              <a:t>khả</a:t>
+            </a:r>
+            <a:r>
+              <a:rPr lang="en-US" dirty="0" smtClean="0"/>
+              <a:t> </a:t>
+            </a:r>
+            <a:r>
+              <a:rPr lang="en-US" dirty="0" err="1" smtClean="0"/>
+              <a:t>năng</a:t>
+            </a:r>
+            <a:r>
+              <a:rPr lang="en-US" dirty="0" smtClean="0"/>
+              <a:t> </a:t>
+            </a:r>
+            <a:r>
+              <a:rPr lang="en-US" dirty="0" err="1" smtClean="0"/>
+              <a:t>tiếp</a:t>
+            </a:r>
+            <a:r>
+              <a:rPr lang="en-US" dirty="0" smtClean="0"/>
+              <a:t> </a:t>
+            </a:r>
+            <a:r>
+              <a:rPr lang="en-US" dirty="0" err="1" smtClean="0"/>
+              <a:t>nhận</a:t>
+            </a:r>
+            <a:r>
+              <a:rPr lang="en-US" dirty="0" smtClean="0"/>
+              <a:t>, </a:t>
+            </a:r>
+            <a:r>
+              <a:rPr lang="en-US" dirty="0" err="1" smtClean="0"/>
+              <a:t>triển</a:t>
+            </a:r>
+            <a:r>
+              <a:rPr lang="en-US" dirty="0" smtClean="0"/>
+              <a:t> </a:t>
+            </a:r>
+            <a:r>
+              <a:rPr lang="en-US" dirty="0" err="1" smtClean="0"/>
+              <a:t>khai</a:t>
+            </a:r>
+            <a:r>
+              <a:rPr lang="en-US" dirty="0" smtClean="0"/>
+              <a:t> </a:t>
+            </a:r>
+            <a:r>
+              <a:rPr lang="en-US" dirty="0" err="1" smtClean="0"/>
+              <a:t>và</a:t>
+            </a:r>
+            <a:r>
+              <a:rPr lang="en-US" dirty="0" smtClean="0"/>
+              <a:t> </a:t>
+            </a:r>
+            <a:r>
+              <a:rPr lang="en-US" dirty="0" err="1" smtClean="0"/>
+              <a:t>phát</a:t>
+            </a:r>
+            <a:r>
+              <a:rPr lang="en-US" dirty="0" smtClean="0"/>
+              <a:t> </a:t>
+            </a:r>
+            <a:r>
+              <a:rPr lang="en-US" dirty="0" err="1" smtClean="0"/>
+              <a:t>triển</a:t>
+            </a:r>
+            <a:r>
+              <a:rPr lang="en-US" dirty="0" smtClean="0"/>
+              <a:t> game </a:t>
+            </a:r>
+            <a:r>
+              <a:rPr lang="en-US" dirty="0" err="1" smtClean="0"/>
+              <a:t>từ</a:t>
+            </a:r>
+            <a:r>
+              <a:rPr lang="en-US" dirty="0" smtClean="0"/>
+              <a:t> source </a:t>
+            </a:r>
+            <a:r>
+              <a:rPr lang="en-US" dirty="0" err="1" smtClean="0"/>
+              <a:t>có</a:t>
+            </a:r>
+            <a:r>
+              <a:rPr lang="en-US" dirty="0" smtClean="0"/>
+              <a:t> </a:t>
+            </a:r>
+            <a:r>
+              <a:rPr lang="en-US" dirty="0" err="1" smtClean="0"/>
+              <a:t>sẵn</a:t>
+            </a:r>
+            <a:endParaRPr lang="en-US" dirty="0" smtClean="0"/>
+          </a:p>
+        </p:txBody>
+      </p:sp>
+    </p:spTree>
+    <p:extLst>
+      <p:ext uri="{BB962C8B-B14F-4D97-AF65-F5344CB8AC3E}">
+        <p14:creationId xmlns:p14="http://schemas.microsoft.com/office/powerpoint/2010/main" val="3602515725"/>
+      </p:ext>
+    </p:extLst>
+  </p:cSld>
+  <p:clrMapOvr>
+    <a:masterClrMapping/>
+  </p:clrMapOvr>
+</p:sld>
+</file>
+
+<file path=ppt/slides/slide6.xml><?xml version="1.0" encoding="utf-8"?>
+<p:sld xmlns:a="http://schemas.openxmlformats.org/drawingml/2006/main" xmlns:r="http://schemas.openxmlformats.org/officeDocument/2006/relationships" xmlns:p="http://schemas.openxmlformats.org/presentationml/2006/main">
+  <p:cSld>
+    <p:spTree>
+      <p:nvGrpSpPr>
+        <p:cNvPr id="1" name=""/>
+        <p:cNvGrpSpPr/>
+        <p:nvPr/>
+      </p:nvGrpSpPr>
+      <p:grpSpPr>
+        <a:xfrm>
+          <a:off x="0" y="0"/>
+          <a:ext cx="0" cy="0"/>
+          <a:chOff x="0" y="0"/>
+          <a:chExt cx="0" cy="0"/>
+        </a:xfrm>
+      </p:grpSpPr>
+      <p:sp>
+        <p:nvSpPr>
+          <p:cNvPr id="2" name="Title 1"/>
+          <p:cNvSpPr>
+            <a:spLocks noGrp="1"/>
+          </p:cNvSpPr>
+          <p:nvPr>
+            <p:ph type="title"/>
+          </p:nvPr>
+        </p:nvSpPr>
+        <p:spPr/>
+        <p:txBody>
+          <a:bodyPr/>
+          <a:lstStyle/>
+          <a:p>
+            <a:r>
+              <a:rPr lang="en-US" dirty="0" err="1" smtClean="0"/>
               <a:t>Phương</a:t>
             </a:r>
             <a:r>
@@ -6564,7 +8022,7 @@
 </p:sld>
 </file>
 
-<file path=ppt/slides/slide6.xml><?xml version="1.0" encoding="utf-8"?>
+<file path=ppt/slides/slide7.xml><?xml version="1.0" encoding="utf-8"?>
 <p:sld xmlns:a="http://schemas.openxmlformats.org/drawingml/2006/main" xmlns:r="http://schemas.openxmlformats.org/officeDocument/2006/relationships" xmlns:p="http://schemas.openxmlformats.org/presentationml/2006/main">
   <p:cSld>
     <p:spTree>
@@ -6631,7 +8089,7 @@
 </p:sld>
 </file>
 
-<file path=ppt/slides/slide7.xml><?xml version="1.0" encoding="utf-8"?>
+<file path=ppt/slides/slide8.xml><?xml version="1.0" encoding="utf-8"?>
 <p:sld xmlns:a="http://schemas.openxmlformats.org/drawingml/2006/main" xmlns:r="http://schemas.openxmlformats.org/officeDocument/2006/relationships" xmlns:p="http://schemas.openxmlformats.org/presentationml/2006/main">
   <p:cSld>
     <p:spTree>
@@ -6968,598 +8426,6 @@
 </p:sld>
 </file>
 
-<file path=ppt/slides/slide8.xml><?xml version="1.0" encoding="utf-8"?>
-<p:sld xmlns:a="http://schemas.openxmlformats.org/drawingml/2006/main" xmlns:r="http://schemas.openxmlformats.org/officeDocument/2006/relationships" xmlns:p="http://schemas.openxmlformats.org/presentationml/2006/main">
-  <p:cSld>
-    <p:spTree>
-      <p:nvGrpSpPr>
-        <p:cNvPr id="1" name=""/>
-        <p:cNvGrpSpPr/>
-        <p:nvPr/>
-      </p:nvGrpSpPr>
-      <p:grpSpPr>
-        <a:xfrm>
-          <a:off x="0" y="0"/>
-          <a:ext cx="0" cy="0"/>
-          <a:chOff x="0" y="0"/>
-          <a:chExt cx="0" cy="0"/>
-        </a:xfrm>
-      </p:grpSpPr>
-      <p:sp>
-        <p:nvSpPr>
-          <p:cNvPr id="2" name="Title 1"/>
-          <p:cNvSpPr>
-            <a:spLocks noGrp="1"/>
-          </p:cNvSpPr>
-          <p:nvPr>
-            <p:ph type="title"/>
-          </p:nvPr>
-        </p:nvSpPr>
-        <p:spPr/>
-        <p:txBody>
-          <a:bodyPr/>
-          <a:lstStyle/>
-          <a:p>
-            <a:r>
-              <a:rPr lang="en-US" dirty="0" err="1" smtClean="0"/>
-              <a:t>Các</a:t>
-            </a:r>
-            <a:r>
-              <a:rPr lang="en-US" dirty="0" smtClean="0"/>
-              <a:t> </a:t>
-            </a:r>
-            <a:r>
-              <a:rPr lang="en-US" dirty="0" err="1" smtClean="0"/>
-              <a:t>tính</a:t>
-            </a:r>
-            <a:r>
-              <a:rPr lang="en-US" dirty="0" smtClean="0"/>
-              <a:t> </a:t>
-            </a:r>
-            <a:r>
-              <a:rPr lang="en-US" dirty="0" err="1" smtClean="0"/>
-              <a:t>năng</a:t>
-            </a:r>
-            <a:r>
-              <a:rPr lang="en-US" dirty="0" smtClean="0"/>
-              <a:t> </a:t>
-            </a:r>
-            <a:r>
-              <a:rPr lang="en-US" dirty="0" err="1" smtClean="0"/>
-              <a:t>cơ</a:t>
-            </a:r>
-            <a:r>
-              <a:rPr lang="en-US" dirty="0" smtClean="0"/>
-              <a:t> </a:t>
-            </a:r>
-            <a:r>
-              <a:rPr lang="en-US" dirty="0" err="1" smtClean="0"/>
-              <a:t>bản</a:t>
-            </a:r>
-            <a:r>
-              <a:rPr lang="en-US" dirty="0" smtClean="0"/>
-              <a:t> </a:t>
-            </a:r>
-            <a:r>
-              <a:rPr lang="en-US" dirty="0" err="1" smtClean="0"/>
-              <a:t>của</a:t>
-            </a:r>
-            <a:r>
-              <a:rPr lang="en-US" dirty="0" smtClean="0"/>
-              <a:t> Unity</a:t>
-            </a:r>
-            <a:endParaRPr lang="en-US" dirty="0"/>
-          </a:p>
-        </p:txBody>
-      </p:sp>
-      <p:sp>
-        <p:nvSpPr>
-          <p:cNvPr id="3" name="Content Placeholder 2"/>
-          <p:cNvSpPr>
-            <a:spLocks noGrp="1"/>
-          </p:cNvSpPr>
-          <p:nvPr>
-            <p:ph idx="1"/>
-          </p:nvPr>
-        </p:nvSpPr>
-        <p:spPr/>
-        <p:txBody>
-          <a:bodyPr/>
-          <a:lstStyle/>
-          <a:p>
-            <a:r>
-              <a:rPr lang="en-US" dirty="0" err="1" smtClean="0"/>
-              <a:t>Tạo</a:t>
-            </a:r>
-            <a:r>
-              <a:rPr lang="en-US" dirty="0" smtClean="0"/>
-              <a:t> </a:t>
-            </a:r>
-            <a:r>
-              <a:rPr lang="en-US" dirty="0" err="1" smtClean="0"/>
-              <a:t>giao</a:t>
-            </a:r>
-            <a:r>
-              <a:rPr lang="en-US" dirty="0" smtClean="0"/>
-              <a:t> </a:t>
-            </a:r>
-            <a:r>
-              <a:rPr lang="en-US" dirty="0" err="1" smtClean="0"/>
-              <a:t>diện</a:t>
-            </a:r>
-            <a:r>
-              <a:rPr lang="en-US" dirty="0" smtClean="0"/>
-              <a:t> UI </a:t>
-            </a:r>
-            <a:r>
-              <a:rPr lang="en-US" dirty="0" err="1" smtClean="0"/>
-              <a:t>cho</a:t>
-            </a:r>
-            <a:r>
-              <a:rPr lang="en-US" dirty="0" smtClean="0"/>
-              <a:t> game, </a:t>
-            </a:r>
-            <a:r>
-              <a:rPr lang="en-US" dirty="0" err="1" smtClean="0"/>
-              <a:t>tạo</a:t>
-            </a:r>
-            <a:r>
-              <a:rPr lang="en-US" dirty="0" smtClean="0"/>
-              <a:t> drop bar, textbox, …</a:t>
-            </a:r>
-          </a:p>
-          <a:p>
-            <a:r>
-              <a:rPr lang="en-US" dirty="0" err="1" smtClean="0"/>
-              <a:t>Hiển</a:t>
-            </a:r>
-            <a:r>
-              <a:rPr lang="en-US" dirty="0" smtClean="0"/>
-              <a:t> </a:t>
-            </a:r>
-            <a:r>
-              <a:rPr lang="en-US" dirty="0" err="1" smtClean="0"/>
-              <a:t>thị</a:t>
-            </a:r>
-            <a:r>
-              <a:rPr lang="en-US" dirty="0" smtClean="0"/>
-              <a:t> </a:t>
-            </a:r>
-            <a:r>
-              <a:rPr lang="en-US" dirty="0" err="1" smtClean="0"/>
-              <a:t>mô</a:t>
-            </a:r>
-            <a:r>
-              <a:rPr lang="en-US" dirty="0" smtClean="0"/>
-              <a:t> </a:t>
-            </a:r>
-            <a:r>
-              <a:rPr lang="en-US" dirty="0" err="1" smtClean="0"/>
-              <a:t>hình</a:t>
-            </a:r>
-            <a:r>
-              <a:rPr lang="en-US" dirty="0" smtClean="0"/>
-              <a:t> </a:t>
-            </a:r>
-            <a:r>
-              <a:rPr lang="en-US" dirty="0" err="1" smtClean="0"/>
-              <a:t>dạng</a:t>
-            </a:r>
-            <a:r>
-              <a:rPr lang="en-US" dirty="0" smtClean="0"/>
-              <a:t> 2D, 3D – </a:t>
-            </a:r>
-            <a:r>
-              <a:rPr lang="en-US" dirty="0" err="1" smtClean="0"/>
-              <a:t>hệ</a:t>
-            </a:r>
-            <a:r>
-              <a:rPr lang="en-US" dirty="0" smtClean="0"/>
-              <a:t> </a:t>
-            </a:r>
-            <a:r>
-              <a:rPr lang="en-US" dirty="0" err="1" smtClean="0"/>
-              <a:t>thống</a:t>
-            </a:r>
-            <a:r>
-              <a:rPr lang="en-US" dirty="0" smtClean="0"/>
-              <a:t> </a:t>
-            </a:r>
-            <a:r>
-              <a:rPr lang="en-US" dirty="0" err="1" smtClean="0"/>
-              <a:t>vật</a:t>
-            </a:r>
-            <a:r>
-              <a:rPr lang="en-US" dirty="0" smtClean="0"/>
-              <a:t> </a:t>
-            </a:r>
-            <a:r>
-              <a:rPr lang="en-US" dirty="0" err="1" smtClean="0"/>
-              <a:t>lý</a:t>
-            </a:r>
-            <a:r>
-              <a:rPr lang="en-US" dirty="0" smtClean="0"/>
-              <a:t> 2D, 3D</a:t>
-            </a:r>
-          </a:p>
-          <a:p>
-            <a:r>
-              <a:rPr lang="en-US" dirty="0" err="1" smtClean="0"/>
-              <a:t>Hỗ</a:t>
-            </a:r>
-            <a:r>
-              <a:rPr lang="en-US" dirty="0" smtClean="0"/>
-              <a:t> </a:t>
-            </a:r>
-            <a:r>
-              <a:rPr lang="en-US" dirty="0" err="1" smtClean="0"/>
-              <a:t>trợ</a:t>
-            </a:r>
-            <a:r>
-              <a:rPr lang="en-US" dirty="0" smtClean="0"/>
-              <a:t> </a:t>
-            </a:r>
-            <a:r>
-              <a:rPr lang="en-US" dirty="0" err="1" smtClean="0"/>
-              <a:t>tạo</a:t>
-            </a:r>
-            <a:r>
-              <a:rPr lang="en-US" dirty="0" smtClean="0"/>
-              <a:t> </a:t>
-            </a:r>
-            <a:r>
-              <a:rPr lang="en-US" dirty="0" err="1" smtClean="0"/>
-              <a:t>ra</a:t>
-            </a:r>
-            <a:r>
-              <a:rPr lang="en-US" dirty="0" smtClean="0"/>
-              <a:t> </a:t>
-            </a:r>
-            <a:r>
-              <a:rPr lang="en-US" dirty="0" err="1" smtClean="0"/>
-              <a:t>các</a:t>
-            </a:r>
-            <a:r>
-              <a:rPr lang="en-US" dirty="0" smtClean="0"/>
-              <a:t> </a:t>
-            </a:r>
-            <a:r>
-              <a:rPr lang="en-US" dirty="0" err="1" smtClean="0"/>
-              <a:t>tựa</a:t>
-            </a:r>
-            <a:r>
-              <a:rPr lang="en-US" dirty="0" smtClean="0"/>
-              <a:t> game </a:t>
-            </a:r>
-            <a:r>
-              <a:rPr lang="en-US" dirty="0" err="1" smtClean="0"/>
-              <a:t>đa</a:t>
-            </a:r>
-            <a:r>
-              <a:rPr lang="en-US" dirty="0" smtClean="0"/>
-              <a:t> </a:t>
-            </a:r>
-            <a:r>
-              <a:rPr lang="en-US" dirty="0" err="1" smtClean="0"/>
-              <a:t>người</a:t>
-            </a:r>
-            <a:r>
-              <a:rPr lang="en-US" dirty="0" smtClean="0"/>
-              <a:t> </a:t>
-            </a:r>
-            <a:r>
-              <a:rPr lang="en-US" dirty="0" err="1" smtClean="0"/>
-              <a:t>chơi</a:t>
-            </a:r>
-            <a:r>
-              <a:rPr lang="en-US" dirty="0" smtClean="0"/>
-              <a:t> </a:t>
-            </a:r>
-            <a:r>
-              <a:rPr lang="en-US" dirty="0" err="1" smtClean="0"/>
-              <a:t>cùng</a:t>
-            </a:r>
-            <a:r>
-              <a:rPr lang="en-US" dirty="0" smtClean="0"/>
-              <a:t> </a:t>
-            </a:r>
-            <a:r>
-              <a:rPr lang="en-US" dirty="0" err="1" smtClean="0"/>
-              <a:t>lúc</a:t>
-            </a:r>
-            <a:endParaRPr lang="en-US" dirty="0" smtClean="0"/>
-          </a:p>
-          <a:p>
-            <a:r>
-              <a:rPr lang="en-US" dirty="0" err="1" smtClean="0"/>
-              <a:t>Trang</a:t>
-            </a:r>
-            <a:r>
-              <a:rPr lang="en-US" dirty="0" smtClean="0"/>
-              <a:t> </a:t>
-            </a:r>
-            <a:r>
-              <a:rPr lang="en-US" dirty="0" err="1" smtClean="0"/>
-              <a:t>bị</a:t>
-            </a:r>
-            <a:r>
-              <a:rPr lang="en-US" dirty="0" smtClean="0"/>
-              <a:t> </a:t>
-            </a:r>
-            <a:r>
-              <a:rPr lang="en-US" dirty="0" err="1" smtClean="0"/>
-              <a:t>các</a:t>
-            </a:r>
-            <a:r>
-              <a:rPr lang="en-US" dirty="0" smtClean="0"/>
-              <a:t> </a:t>
-            </a:r>
-            <a:r>
-              <a:rPr lang="en-US" dirty="0" err="1" smtClean="0"/>
-              <a:t>nền</a:t>
-            </a:r>
-            <a:r>
-              <a:rPr lang="en-US" dirty="0" smtClean="0"/>
-              <a:t> </a:t>
-            </a:r>
-            <a:r>
-              <a:rPr lang="en-US" dirty="0" err="1" smtClean="0"/>
-              <a:t>tảng</a:t>
-            </a:r>
-            <a:r>
-              <a:rPr lang="en-US" dirty="0" smtClean="0"/>
-              <a:t> </a:t>
-            </a:r>
-            <a:r>
-              <a:rPr lang="en-US" dirty="0" err="1" smtClean="0"/>
-              <a:t>công</a:t>
-            </a:r>
-            <a:r>
-              <a:rPr lang="en-US" dirty="0" smtClean="0"/>
-              <a:t> </a:t>
-            </a:r>
-            <a:r>
-              <a:rPr lang="en-US" dirty="0" err="1" smtClean="0"/>
-              <a:t>nghệ</a:t>
-            </a:r>
-            <a:r>
-              <a:rPr lang="en-US" dirty="0" smtClean="0"/>
-              <a:t> </a:t>
-            </a:r>
-            <a:r>
-              <a:rPr lang="en-US" dirty="0" err="1" smtClean="0"/>
-              <a:t>mới</a:t>
-            </a:r>
-            <a:r>
-              <a:rPr lang="en-US" dirty="0" smtClean="0"/>
-              <a:t> </a:t>
-            </a:r>
-            <a:r>
-              <a:rPr lang="en-US" dirty="0" err="1" smtClean="0"/>
-              <a:t>như</a:t>
-            </a:r>
-            <a:r>
-              <a:rPr lang="en-US" dirty="0"/>
-              <a:t> </a:t>
-            </a:r>
-            <a:r>
-              <a:rPr lang="en-US" dirty="0" err="1" smtClean="0"/>
-              <a:t>thực</a:t>
-            </a:r>
-            <a:r>
-              <a:rPr lang="en-US" dirty="0" smtClean="0"/>
-              <a:t> </a:t>
-            </a:r>
-            <a:r>
-              <a:rPr lang="en-US" dirty="0" err="1" smtClean="0"/>
-              <a:t>tế</a:t>
-            </a:r>
-            <a:r>
-              <a:rPr lang="en-US" dirty="0" smtClean="0"/>
-              <a:t> tang </a:t>
-            </a:r>
-            <a:r>
-              <a:rPr lang="en-US" dirty="0" err="1" smtClean="0"/>
-              <a:t>cường</a:t>
-            </a:r>
-            <a:r>
-              <a:rPr lang="en-US" dirty="0" smtClean="0"/>
-              <a:t> AR hay </a:t>
-            </a:r>
-            <a:r>
-              <a:rPr lang="en-US" dirty="0" err="1" smtClean="0"/>
-              <a:t>công</a:t>
-            </a:r>
-            <a:r>
-              <a:rPr lang="en-US" dirty="0" smtClean="0"/>
-              <a:t> </a:t>
-            </a:r>
-            <a:r>
-              <a:rPr lang="en-US" dirty="0" err="1" smtClean="0"/>
-              <a:t>nghệ</a:t>
-            </a:r>
-            <a:r>
-              <a:rPr lang="en-US" dirty="0" smtClean="0"/>
-              <a:t> </a:t>
-            </a:r>
-            <a:r>
-              <a:rPr lang="en-US" dirty="0" err="1" smtClean="0"/>
-              <a:t>thực</a:t>
-            </a:r>
-            <a:r>
-              <a:rPr lang="en-US" dirty="0" smtClean="0"/>
-              <a:t> </a:t>
-            </a:r>
-            <a:r>
-              <a:rPr lang="en-US" dirty="0" err="1" smtClean="0"/>
-              <a:t>tế</a:t>
-            </a:r>
-            <a:r>
-              <a:rPr lang="en-US" dirty="0" smtClean="0"/>
-              <a:t> </a:t>
-            </a:r>
-            <a:r>
-              <a:rPr lang="en-US" dirty="0" err="1" smtClean="0"/>
-              <a:t>ảo</a:t>
-            </a:r>
-            <a:r>
-              <a:rPr lang="en-US" dirty="0" smtClean="0"/>
-              <a:t> VR</a:t>
-            </a:r>
-          </a:p>
-          <a:p>
-            <a:r>
-              <a:rPr lang="en-US" dirty="0" err="1" smtClean="0"/>
-              <a:t>Hỗ</a:t>
-            </a:r>
-            <a:r>
-              <a:rPr lang="en-US" dirty="0" smtClean="0"/>
-              <a:t> </a:t>
-            </a:r>
-            <a:r>
-              <a:rPr lang="en-US" dirty="0" err="1" smtClean="0"/>
-              <a:t>trợ</a:t>
-            </a:r>
-            <a:r>
-              <a:rPr lang="en-US" dirty="0" smtClean="0"/>
-              <a:t> </a:t>
-            </a:r>
-            <a:r>
-              <a:rPr lang="en-US" dirty="0" err="1" smtClean="0"/>
-              <a:t>hiển</a:t>
-            </a:r>
-            <a:r>
-              <a:rPr lang="en-US" dirty="0" smtClean="0"/>
-              <a:t> </a:t>
-            </a:r>
-            <a:r>
-              <a:rPr lang="en-US" dirty="0" err="1" smtClean="0"/>
-              <a:t>thị</a:t>
-            </a:r>
-            <a:r>
-              <a:rPr lang="en-US" dirty="0" smtClean="0"/>
-              <a:t> </a:t>
-            </a:r>
-            <a:r>
-              <a:rPr lang="en-US" dirty="0" err="1" smtClean="0"/>
-              <a:t>các</a:t>
-            </a:r>
-            <a:r>
-              <a:rPr lang="en-US" dirty="0" smtClean="0"/>
-              <a:t> font </a:t>
-            </a:r>
-            <a:r>
-              <a:rPr lang="en-US" dirty="0" err="1" smtClean="0"/>
-              <a:t>chữ</a:t>
-            </a:r>
-            <a:r>
-              <a:rPr lang="en-US" dirty="0" smtClean="0"/>
-              <a:t> </a:t>
-            </a:r>
-            <a:r>
-              <a:rPr lang="en-US" dirty="0" err="1" smtClean="0"/>
-              <a:t>đặc</a:t>
-            </a:r>
-            <a:r>
-              <a:rPr lang="en-US" dirty="0" smtClean="0"/>
-              <a:t> </a:t>
-            </a:r>
-            <a:r>
-              <a:rPr lang="en-US" dirty="0" err="1" smtClean="0"/>
-              <a:t>biệt</a:t>
-            </a:r>
-            <a:endParaRPr lang="en-US" dirty="0" smtClean="0"/>
-          </a:p>
-          <a:p>
-            <a:r>
-              <a:rPr lang="en-US" dirty="0" err="1" smtClean="0"/>
-              <a:t>Hỗ</a:t>
-            </a:r>
-            <a:r>
-              <a:rPr lang="en-US" dirty="0" smtClean="0"/>
-              <a:t> </a:t>
-            </a:r>
-            <a:r>
-              <a:rPr lang="en-US" dirty="0" err="1" smtClean="0"/>
-              <a:t>trợ</a:t>
-            </a:r>
-            <a:r>
-              <a:rPr lang="en-US" dirty="0" smtClean="0"/>
-              <a:t> bot AI – </a:t>
-            </a:r>
-            <a:r>
-              <a:rPr lang="en-US" dirty="0" err="1" smtClean="0"/>
-              <a:t>trí</a:t>
-            </a:r>
-            <a:r>
-              <a:rPr lang="en-US" dirty="0" smtClean="0"/>
-              <a:t> </a:t>
-            </a:r>
-            <a:r>
-              <a:rPr lang="en-US" dirty="0" err="1" smtClean="0"/>
-              <a:t>tuệ</a:t>
-            </a:r>
-            <a:r>
-              <a:rPr lang="en-US" dirty="0" smtClean="0"/>
-              <a:t> </a:t>
-            </a:r>
-            <a:r>
-              <a:rPr lang="en-US" dirty="0" err="1" smtClean="0"/>
-              <a:t>nhận</a:t>
-            </a:r>
-            <a:r>
-              <a:rPr lang="en-US" dirty="0" smtClean="0"/>
-              <a:t> </a:t>
-            </a:r>
-            <a:r>
-              <a:rPr lang="en-US" dirty="0" err="1" smtClean="0"/>
-              <a:t>tạo</a:t>
-            </a:r>
-            <a:r>
-              <a:rPr lang="en-US" dirty="0" smtClean="0"/>
-              <a:t> </a:t>
-            </a:r>
-            <a:r>
-              <a:rPr lang="en-US" dirty="0" err="1" smtClean="0"/>
-              <a:t>trong</a:t>
-            </a:r>
-            <a:r>
-              <a:rPr lang="en-US" dirty="0" smtClean="0"/>
-              <a:t> </a:t>
-            </a:r>
-            <a:r>
-              <a:rPr lang="en-US" dirty="0" err="1" smtClean="0"/>
-              <a:t>màn</a:t>
-            </a:r>
-            <a:r>
-              <a:rPr lang="en-US" dirty="0" smtClean="0"/>
-              <a:t> </a:t>
-            </a:r>
-            <a:r>
-              <a:rPr lang="en-US" dirty="0" err="1" smtClean="0"/>
-              <a:t>hình</a:t>
-            </a:r>
-            <a:r>
-              <a:rPr lang="en-US" dirty="0" smtClean="0"/>
-              <a:t> game</a:t>
-            </a:r>
-            <a:endParaRPr lang="en-US" dirty="0"/>
-          </a:p>
-        </p:txBody>
-      </p:sp>
-    </p:spTree>
-    <p:extLst>
-      <p:ext uri="{BB962C8B-B14F-4D97-AF65-F5344CB8AC3E}">
-        <p14:creationId xmlns:p14="http://schemas.microsoft.com/office/powerpoint/2010/main" val="1766954733"/>
-      </p:ext>
-    </p:extLst>
-  </p:cSld>
-  <p:clrMapOvr>
-    <a:masterClrMapping/>
-  </p:clrMapOvr>
-</p:sld>
-</file>
-
 <file path=ppt/slides/slide9.xml><?xml version="1.0" encoding="utf-8"?>
 <p:sld xmlns:a="http://schemas.openxmlformats.org/drawingml/2006/main" xmlns:r="http://schemas.openxmlformats.org/officeDocument/2006/relationships" xmlns:p="http://schemas.openxmlformats.org/presentationml/2006/main">
   <p:cSld>
@@ -7577,790 +8443,40 @@
           <a:chExt cx="0" cy="0"/>
         </a:xfrm>
       </p:grpSpPr>
-      <p:sp>
-        <p:nvSpPr>
-          <p:cNvPr id="2" name="Title 1"/>
-          <p:cNvSpPr>
-            <a:spLocks noGrp="1"/>
-          </p:cNvSpPr>
-          <p:nvPr>
-            <p:ph type="title"/>
-          </p:nvPr>
-        </p:nvSpPr>
-        <p:spPr/>
-        <p:txBody>
-          <a:bodyPr/>
-          <a:lstStyle/>
-          <a:p>
-            <a:r>
-              <a:rPr lang="en-US" dirty="0" err="1" smtClean="0"/>
-              <a:t>Các</a:t>
-            </a:r>
-            <a:r>
-              <a:rPr lang="en-US" dirty="0" smtClean="0"/>
-              <a:t> </a:t>
-            </a:r>
-            <a:r>
-              <a:rPr lang="en-US" dirty="0" err="1" smtClean="0"/>
-              <a:t>khái</a:t>
-            </a:r>
-            <a:r>
-              <a:rPr lang="en-US" dirty="0" smtClean="0"/>
-              <a:t> </a:t>
-            </a:r>
-            <a:r>
-              <a:rPr lang="en-US" dirty="0" err="1" smtClean="0"/>
-              <a:t>niệm</a:t>
-            </a:r>
-            <a:r>
-              <a:rPr lang="en-US" dirty="0" smtClean="0"/>
-              <a:t> </a:t>
-            </a:r>
-            <a:r>
-              <a:rPr lang="en-US" dirty="0" err="1" smtClean="0"/>
-              <a:t>cơ</a:t>
-            </a:r>
-            <a:r>
-              <a:rPr lang="en-US" dirty="0" smtClean="0"/>
-              <a:t> </a:t>
-            </a:r>
-            <a:r>
-              <a:rPr lang="en-US" dirty="0" err="1" smtClean="0"/>
-              <a:t>bản</a:t>
-            </a:r>
-            <a:r>
-              <a:rPr lang="en-US" dirty="0" smtClean="0"/>
-              <a:t> </a:t>
-            </a:r>
-            <a:r>
-              <a:rPr lang="en-US" dirty="0" err="1" smtClean="0"/>
-              <a:t>trong</a:t>
-            </a:r>
-            <a:r>
-              <a:rPr lang="en-US" dirty="0" smtClean="0"/>
-              <a:t> Unity</a:t>
-            </a:r>
-            <a:endParaRPr lang="en-US" dirty="0"/>
-          </a:p>
-        </p:txBody>
-      </p:sp>
-      <p:sp>
-        <p:nvSpPr>
-          <p:cNvPr id="3" name="Content Placeholder 2"/>
-          <p:cNvSpPr>
-            <a:spLocks noGrp="1"/>
-          </p:cNvSpPr>
-          <p:nvPr>
-            <p:ph idx="1"/>
-          </p:nvPr>
-        </p:nvSpPr>
+      <p:pic>
+        <p:nvPicPr>
+          <p:cNvPr id="4" name="Picture 3"/>
+          <p:cNvPicPr>
+            <a:picLocks noChangeAspect="1"/>
+          </p:cNvPicPr>
+          <p:nvPr/>
+        </p:nvPicPr>
+        <p:blipFill>
+          <a:blip r:embed="rId2"/>
+          <a:stretch>
+            <a:fillRect/>
+          </a:stretch>
+        </p:blipFill>
         <p:spPr>
           <a:xfrm>
-            <a:off x="838200" y="1579418"/>
-            <a:ext cx="10515600" cy="4971011"/>
+            <a:off x="3976391" y="880707"/>
+            <a:ext cx="4239217" cy="5096586"/>
           </a:xfrm>
+          <a:prstGeom prst="rect">
+            <a:avLst/>
+          </a:prstGeom>
         </p:spPr>
-        <p:txBody>
-          <a:bodyPr>
-            <a:normAutofit lnSpcReduction="10000"/>
-          </a:bodyPr>
-          <a:lstStyle/>
-          <a:p>
-            <a:r>
-              <a:rPr lang="en-US" dirty="0" smtClean="0"/>
-              <a:t>Asset : Kho </a:t>
-            </a:r>
-            <a:r>
-              <a:rPr lang="en-US" dirty="0" err="1" smtClean="0"/>
-              <a:t>tài</a:t>
-            </a:r>
-            <a:r>
-              <a:rPr lang="en-US" dirty="0" smtClean="0"/>
-              <a:t> </a:t>
-            </a:r>
-            <a:r>
-              <a:rPr lang="en-US" dirty="0" err="1" smtClean="0"/>
-              <a:t>nguyên</a:t>
-            </a:r>
-            <a:r>
-              <a:rPr lang="en-US" dirty="0" smtClean="0"/>
-              <a:t> </a:t>
-            </a:r>
-            <a:r>
-              <a:rPr lang="en-US" dirty="0" err="1" smtClean="0"/>
-              <a:t>cho</a:t>
-            </a:r>
-            <a:r>
-              <a:rPr lang="en-US" dirty="0" smtClean="0"/>
-              <a:t> </a:t>
-            </a:r>
-            <a:r>
-              <a:rPr lang="en-US" dirty="0" err="1" smtClean="0"/>
-              <a:t>việc</a:t>
-            </a:r>
-            <a:r>
-              <a:rPr lang="en-US" dirty="0" smtClean="0"/>
-              <a:t> </a:t>
-            </a:r>
-            <a:r>
-              <a:rPr lang="en-US" dirty="0" err="1" smtClean="0"/>
-              <a:t>xây</a:t>
-            </a:r>
-            <a:r>
-              <a:rPr lang="en-US" dirty="0" smtClean="0"/>
-              <a:t> </a:t>
-            </a:r>
-            <a:r>
-              <a:rPr lang="en-US" dirty="0" err="1" smtClean="0"/>
-              <a:t>dựng</a:t>
-            </a:r>
-            <a:r>
-              <a:rPr lang="en-US" dirty="0" smtClean="0"/>
-              <a:t> game: </a:t>
-            </a:r>
-            <a:r>
-              <a:rPr lang="en-US" dirty="0" err="1" smtClean="0"/>
-              <a:t>hình</a:t>
-            </a:r>
-            <a:r>
-              <a:rPr lang="en-US" dirty="0" smtClean="0"/>
-              <a:t> </a:t>
-            </a:r>
-            <a:r>
-              <a:rPr lang="en-US" dirty="0" err="1" smtClean="0"/>
-              <a:t>ảnh</a:t>
-            </a:r>
-            <a:r>
-              <a:rPr lang="en-US" dirty="0" smtClean="0"/>
-              <a:t>, </a:t>
-            </a:r>
-            <a:r>
-              <a:rPr lang="en-US" dirty="0" err="1" smtClean="0"/>
-              <a:t>âm</a:t>
-            </a:r>
-            <a:r>
-              <a:rPr lang="en-US" dirty="0" smtClean="0"/>
-              <a:t> </a:t>
-            </a:r>
-            <a:r>
-              <a:rPr lang="en-US" dirty="0" err="1" smtClean="0"/>
-              <a:t>thanh</a:t>
-            </a:r>
-            <a:r>
-              <a:rPr lang="en-US" dirty="0" smtClean="0"/>
-              <a:t>…</a:t>
-            </a:r>
-          </a:p>
-          <a:p>
-            <a:r>
-              <a:rPr lang="en-US" dirty="0" err="1" smtClean="0"/>
-              <a:t>Scence</a:t>
-            </a:r>
-            <a:r>
-              <a:rPr lang="en-US" dirty="0" smtClean="0"/>
-              <a:t>: </a:t>
-            </a:r>
-            <a:r>
-              <a:rPr lang="en-US" dirty="0" err="1" smtClean="0"/>
-              <a:t>Là</a:t>
-            </a:r>
-            <a:r>
-              <a:rPr lang="en-US" dirty="0" smtClean="0"/>
-              <a:t> </a:t>
-            </a:r>
-            <a:r>
-              <a:rPr lang="en-US" dirty="0" err="1" smtClean="0"/>
-              <a:t>các</a:t>
-            </a:r>
-            <a:r>
-              <a:rPr lang="en-US" dirty="0" smtClean="0"/>
-              <a:t> </a:t>
-            </a:r>
-            <a:r>
-              <a:rPr lang="en-US" dirty="0" err="1" smtClean="0"/>
-              <a:t>màn</a:t>
-            </a:r>
-            <a:r>
-              <a:rPr lang="en-US" dirty="0" smtClean="0"/>
-              <a:t> </a:t>
-            </a:r>
-            <a:r>
-              <a:rPr lang="en-US" dirty="0" err="1" smtClean="0"/>
-              <a:t>chơi</a:t>
-            </a:r>
-            <a:r>
-              <a:rPr lang="en-US" dirty="0" smtClean="0"/>
-              <a:t>, </a:t>
-            </a:r>
-            <a:r>
-              <a:rPr lang="en-US" dirty="0" err="1" smtClean="0"/>
-              <a:t>cấp</a:t>
-            </a:r>
-            <a:r>
-              <a:rPr lang="en-US" dirty="0" smtClean="0"/>
-              <a:t> </a:t>
-            </a:r>
-            <a:r>
-              <a:rPr lang="en-US" dirty="0" err="1" smtClean="0"/>
-              <a:t>độ</a:t>
-            </a:r>
-            <a:r>
-              <a:rPr lang="en-US" dirty="0" smtClean="0"/>
-              <a:t> </a:t>
-            </a:r>
-            <a:r>
-              <a:rPr lang="en-US" dirty="0" err="1" smtClean="0"/>
-              <a:t>chơi</a:t>
-            </a:r>
-            <a:endParaRPr lang="en-US" dirty="0" smtClean="0"/>
-          </a:p>
-          <a:p>
-            <a:r>
-              <a:rPr lang="en-US" dirty="0" smtClean="0"/>
-              <a:t>Game Object: </a:t>
-            </a:r>
-            <a:r>
-              <a:rPr lang="en-US" dirty="0" err="1" smtClean="0"/>
-              <a:t>Là</a:t>
-            </a:r>
-            <a:r>
-              <a:rPr lang="en-US" dirty="0" smtClean="0"/>
-              <a:t> 1 </a:t>
-            </a:r>
-            <a:r>
-              <a:rPr lang="en-US" dirty="0" err="1" smtClean="0"/>
-              <a:t>tài</a:t>
-            </a:r>
-            <a:r>
-              <a:rPr lang="en-US" dirty="0" smtClean="0"/>
-              <a:t> </a:t>
-            </a:r>
-            <a:r>
-              <a:rPr lang="en-US" dirty="0" err="1" smtClean="0"/>
-              <a:t>nguyên</a:t>
-            </a:r>
-            <a:r>
-              <a:rPr lang="en-US" dirty="0" smtClean="0"/>
-              <a:t> </a:t>
-            </a:r>
-            <a:r>
-              <a:rPr lang="en-US" dirty="0" err="1" smtClean="0"/>
-              <a:t>được</a:t>
-            </a:r>
-            <a:r>
-              <a:rPr lang="en-US" dirty="0" smtClean="0"/>
-              <a:t> </a:t>
-            </a:r>
-            <a:r>
-              <a:rPr lang="en-US" dirty="0" err="1" smtClean="0"/>
-              <a:t>sử</a:t>
-            </a:r>
-            <a:r>
-              <a:rPr lang="en-US" dirty="0" smtClean="0"/>
-              <a:t> </a:t>
-            </a:r>
-            <a:r>
-              <a:rPr lang="en-US" dirty="0" err="1" smtClean="0"/>
-              <a:t>dụng</a:t>
-            </a:r>
-            <a:r>
-              <a:rPr lang="en-US" dirty="0" smtClean="0"/>
-              <a:t> </a:t>
-            </a:r>
-            <a:r>
-              <a:rPr lang="en-US" dirty="0" err="1" smtClean="0"/>
-              <a:t>trong</a:t>
-            </a:r>
-            <a:r>
-              <a:rPr lang="en-US" dirty="0" smtClean="0"/>
-              <a:t> </a:t>
-            </a:r>
-            <a:r>
-              <a:rPr lang="en-US" dirty="0" err="1" smtClean="0"/>
-              <a:t>một</a:t>
-            </a:r>
-            <a:r>
-              <a:rPr lang="en-US" dirty="0" smtClean="0"/>
-              <a:t> scene</a:t>
-            </a:r>
-          </a:p>
-          <a:p>
-            <a:r>
-              <a:rPr lang="en-US" dirty="0" smtClean="0"/>
-              <a:t>Component: </a:t>
-            </a:r>
-            <a:r>
-              <a:rPr lang="en-US" dirty="0" err="1" smtClean="0"/>
-              <a:t>Là</a:t>
-            </a:r>
-            <a:r>
-              <a:rPr lang="en-US" dirty="0" smtClean="0"/>
-              <a:t> </a:t>
-            </a:r>
-            <a:r>
-              <a:rPr lang="en-US" dirty="0" err="1" smtClean="0"/>
-              <a:t>các</a:t>
-            </a:r>
-            <a:r>
-              <a:rPr lang="en-US" dirty="0" smtClean="0"/>
-              <a:t> </a:t>
-            </a:r>
-            <a:r>
-              <a:rPr lang="en-US" dirty="0" err="1" smtClean="0"/>
-              <a:t>thành</a:t>
-            </a:r>
-            <a:r>
-              <a:rPr lang="en-US" dirty="0" smtClean="0"/>
-              <a:t> </a:t>
-            </a:r>
-            <a:r>
-              <a:rPr lang="en-US" dirty="0" err="1" smtClean="0"/>
-              <a:t>phần</a:t>
-            </a:r>
-            <a:r>
-              <a:rPr lang="en-US" dirty="0" smtClean="0"/>
-              <a:t> </a:t>
-            </a:r>
-            <a:r>
-              <a:rPr lang="en-US" dirty="0" err="1" smtClean="0"/>
-              <a:t>trong</a:t>
-            </a:r>
-            <a:r>
-              <a:rPr lang="en-US" dirty="0" smtClean="0"/>
-              <a:t> </a:t>
-            </a:r>
-            <a:r>
-              <a:rPr lang="en-US" dirty="0" err="1" smtClean="0"/>
-              <a:t>một</a:t>
-            </a:r>
-            <a:r>
-              <a:rPr lang="en-US" dirty="0" smtClean="0"/>
-              <a:t> Game Object, </a:t>
-            </a:r>
-            <a:r>
-              <a:rPr lang="en-US" dirty="0" err="1" smtClean="0"/>
-              <a:t>ánh</a:t>
-            </a:r>
-            <a:r>
-              <a:rPr lang="en-US" dirty="0" smtClean="0"/>
-              <a:t> sang, camera, particle, </a:t>
-            </a:r>
-            <a:r>
-              <a:rPr lang="en-US" dirty="0" err="1" smtClean="0"/>
-              <a:t>hiệu</a:t>
-            </a:r>
-            <a:r>
-              <a:rPr lang="en-US" dirty="0" smtClean="0"/>
-              <a:t> </a:t>
-            </a:r>
-            <a:r>
-              <a:rPr lang="en-US" dirty="0" err="1" smtClean="0"/>
-              <a:t>ứng</a:t>
-            </a:r>
-            <a:r>
-              <a:rPr lang="en-US" dirty="0" smtClean="0"/>
-              <a:t> </a:t>
-            </a:r>
-            <a:r>
-              <a:rPr lang="en-US" dirty="0" err="1" smtClean="0"/>
-              <a:t>vật</a:t>
-            </a:r>
-            <a:r>
-              <a:rPr lang="en-US" dirty="0" smtClean="0"/>
-              <a:t> </a:t>
-            </a:r>
-            <a:r>
-              <a:rPr lang="en-US" dirty="0" err="1" smtClean="0"/>
-              <a:t>lý</a:t>
-            </a:r>
-            <a:r>
-              <a:rPr lang="en-US" dirty="0" smtClean="0"/>
-              <a:t>…</a:t>
-            </a:r>
-          </a:p>
-          <a:p>
-            <a:r>
-              <a:rPr lang="en-US" dirty="0" smtClean="0"/>
-              <a:t>Script: </a:t>
-            </a:r>
-            <a:r>
-              <a:rPr lang="en-US" dirty="0" err="1" smtClean="0"/>
-              <a:t>Là</a:t>
-            </a:r>
-            <a:r>
-              <a:rPr lang="en-US" dirty="0" smtClean="0"/>
-              <a:t> </a:t>
-            </a:r>
-            <a:r>
-              <a:rPr lang="en-US" dirty="0" err="1" smtClean="0"/>
-              <a:t>những</a:t>
-            </a:r>
-            <a:r>
-              <a:rPr lang="en-US" dirty="0" smtClean="0"/>
-              <a:t> </a:t>
-            </a:r>
-            <a:r>
-              <a:rPr lang="en-US" dirty="0" err="1" smtClean="0"/>
-              <a:t>mã</a:t>
-            </a:r>
-            <a:r>
-              <a:rPr lang="en-US" dirty="0" smtClean="0"/>
-              <a:t> </a:t>
-            </a:r>
-            <a:r>
-              <a:rPr lang="en-US" dirty="0" err="1" smtClean="0"/>
-              <a:t>kịch</a:t>
-            </a:r>
-            <a:r>
-              <a:rPr lang="en-US" dirty="0" smtClean="0"/>
-              <a:t> </a:t>
-            </a:r>
-            <a:r>
-              <a:rPr lang="en-US" dirty="0" err="1" smtClean="0"/>
-              <a:t>bản</a:t>
-            </a:r>
-            <a:r>
-              <a:rPr lang="en-US" dirty="0" smtClean="0"/>
-              <a:t> </a:t>
-            </a:r>
-            <a:r>
-              <a:rPr lang="en-US" dirty="0" err="1" smtClean="0"/>
-              <a:t>được</a:t>
-            </a:r>
-            <a:r>
-              <a:rPr lang="en-US" dirty="0" smtClean="0"/>
-              <a:t> </a:t>
-            </a:r>
-            <a:r>
-              <a:rPr lang="en-US" dirty="0" err="1" smtClean="0"/>
-              <a:t>viết</a:t>
-            </a:r>
-            <a:r>
-              <a:rPr lang="en-US" dirty="0" smtClean="0"/>
-              <a:t> </a:t>
-            </a:r>
-            <a:r>
-              <a:rPr lang="en-US" dirty="0" err="1" smtClean="0"/>
-              <a:t>bằng</a:t>
-            </a:r>
-            <a:r>
-              <a:rPr lang="en-US" dirty="0" smtClean="0"/>
-              <a:t> C#, </a:t>
-            </a:r>
-            <a:r>
-              <a:rPr lang="en-US" dirty="0" err="1" smtClean="0"/>
-              <a:t>Javascipt</a:t>
-            </a:r>
-            <a:r>
-              <a:rPr lang="en-US" dirty="0" smtClean="0"/>
-              <a:t>, </a:t>
-            </a:r>
-            <a:r>
-              <a:rPr lang="en-US" dirty="0" err="1" smtClean="0"/>
-              <a:t>thường</a:t>
-            </a:r>
-            <a:r>
-              <a:rPr lang="en-US" dirty="0" smtClean="0"/>
-              <a:t> </a:t>
-            </a:r>
-            <a:r>
-              <a:rPr lang="en-US" dirty="0" err="1" smtClean="0"/>
-              <a:t>là</a:t>
-            </a:r>
-            <a:r>
-              <a:rPr lang="en-US" dirty="0" smtClean="0"/>
-              <a:t> </a:t>
-            </a:r>
-            <a:r>
-              <a:rPr lang="en-US" dirty="0" err="1" smtClean="0"/>
-              <a:t>bằng</a:t>
-            </a:r>
-            <a:r>
-              <a:rPr lang="en-US" dirty="0" smtClean="0"/>
-              <a:t> C#, C# </a:t>
-            </a:r>
-            <a:r>
-              <a:rPr lang="en-US" dirty="0" err="1" smtClean="0"/>
-              <a:t>giúp</a:t>
-            </a:r>
-            <a:r>
-              <a:rPr lang="en-US" dirty="0" smtClean="0"/>
-              <a:t> game </a:t>
-            </a:r>
-            <a:r>
-              <a:rPr lang="en-US" dirty="0" err="1" smtClean="0"/>
-              <a:t>chạy</a:t>
-            </a:r>
-            <a:r>
-              <a:rPr lang="en-US" dirty="0" smtClean="0"/>
-              <a:t> </a:t>
-            </a:r>
-            <a:r>
-              <a:rPr lang="en-US" dirty="0" err="1" smtClean="0"/>
-              <a:t>tốt</a:t>
-            </a:r>
-            <a:r>
-              <a:rPr lang="en-US" dirty="0" smtClean="0"/>
-              <a:t> </a:t>
-            </a:r>
-            <a:r>
-              <a:rPr lang="en-US" dirty="0" err="1" smtClean="0"/>
-              <a:t>hơn</a:t>
-            </a:r>
-            <a:r>
-              <a:rPr lang="en-US" dirty="0" smtClean="0"/>
-              <a:t> </a:t>
-            </a:r>
-            <a:r>
-              <a:rPr lang="en-US" dirty="0" err="1" smtClean="0"/>
-              <a:t>kiểm</a:t>
-            </a:r>
-            <a:r>
-              <a:rPr lang="en-US" dirty="0" smtClean="0"/>
-              <a:t> </a:t>
-            </a:r>
-            <a:r>
-              <a:rPr lang="en-US" dirty="0" err="1" smtClean="0"/>
-              <a:t>soát</a:t>
-            </a:r>
-            <a:r>
-              <a:rPr lang="en-US" dirty="0" smtClean="0"/>
-              <a:t> code </a:t>
-            </a:r>
-            <a:r>
-              <a:rPr lang="en-US" dirty="0" err="1" smtClean="0"/>
-              <a:t>tốt</a:t>
-            </a:r>
-            <a:r>
-              <a:rPr lang="en-US" dirty="0" smtClean="0"/>
-              <a:t> </a:t>
-            </a:r>
-            <a:r>
-              <a:rPr lang="en-US" dirty="0" err="1" smtClean="0"/>
-              <a:t>hơn</a:t>
-            </a:r>
-            <a:endParaRPr lang="en-US" dirty="0" smtClean="0"/>
-          </a:p>
-          <a:p>
-            <a:r>
-              <a:rPr lang="en-US" dirty="0" smtClean="0"/>
-              <a:t>Prefab: </a:t>
-            </a:r>
-            <a:r>
-              <a:rPr lang="en-US" dirty="0" err="1" smtClean="0"/>
-              <a:t>Là</a:t>
-            </a:r>
-            <a:r>
-              <a:rPr lang="en-US" dirty="0" smtClean="0"/>
-              <a:t> </a:t>
-            </a:r>
-            <a:r>
-              <a:rPr lang="en-US" dirty="0" err="1" smtClean="0"/>
-              <a:t>một</a:t>
-            </a:r>
-            <a:r>
-              <a:rPr lang="en-US" dirty="0" smtClean="0"/>
-              <a:t> Game Object </a:t>
-            </a:r>
-            <a:r>
-              <a:rPr lang="en-US" dirty="0" err="1" smtClean="0"/>
-              <a:t>được</a:t>
-            </a:r>
-            <a:r>
-              <a:rPr lang="en-US" dirty="0" smtClean="0"/>
-              <a:t> cache </a:t>
-            </a:r>
-            <a:r>
-              <a:rPr lang="en-US" dirty="0" err="1" smtClean="0"/>
-              <a:t>lại</a:t>
-            </a:r>
-            <a:r>
-              <a:rPr lang="en-US" dirty="0" smtClean="0"/>
-              <a:t> </a:t>
-            </a:r>
-            <a:r>
-              <a:rPr lang="en-US" dirty="0" err="1" smtClean="0"/>
-              <a:t>nhằm</a:t>
-            </a:r>
-            <a:r>
-              <a:rPr lang="en-US" dirty="0" smtClean="0"/>
-              <a:t> </a:t>
-            </a:r>
-            <a:r>
-              <a:rPr lang="en-US" dirty="0" err="1" smtClean="0"/>
-              <a:t>tái</a:t>
-            </a:r>
-            <a:r>
-              <a:rPr lang="en-US" dirty="0" smtClean="0"/>
-              <a:t> </a:t>
-            </a:r>
-            <a:r>
-              <a:rPr lang="en-US" dirty="0" err="1" smtClean="0"/>
-              <a:t>sử</a:t>
-            </a:r>
-            <a:r>
-              <a:rPr lang="en-US" dirty="0" smtClean="0"/>
-              <a:t> </a:t>
-            </a:r>
-            <a:r>
-              <a:rPr lang="en-US" dirty="0" err="1" smtClean="0"/>
-              <a:t>dụng</a:t>
-            </a:r>
-            <a:r>
-              <a:rPr lang="en-US" dirty="0" smtClean="0"/>
-              <a:t>, </a:t>
-            </a:r>
-            <a:r>
-              <a:rPr lang="en-US" dirty="0" err="1" smtClean="0"/>
-              <a:t>thường</a:t>
-            </a:r>
-            <a:r>
-              <a:rPr lang="en-US" dirty="0" smtClean="0"/>
-              <a:t> </a:t>
-            </a:r>
-            <a:r>
-              <a:rPr lang="en-US" dirty="0" err="1" smtClean="0"/>
-              <a:t>được</a:t>
-            </a:r>
-            <a:r>
-              <a:rPr lang="en-US" dirty="0" smtClean="0"/>
-              <a:t> </a:t>
-            </a:r>
-            <a:r>
-              <a:rPr lang="en-US" dirty="0" err="1" smtClean="0"/>
-              <a:t>dùng</a:t>
-            </a:r>
-            <a:r>
-              <a:rPr lang="en-US" dirty="0" smtClean="0"/>
-              <a:t> </a:t>
-            </a:r>
-            <a:r>
-              <a:rPr lang="en-US" dirty="0" err="1" smtClean="0"/>
-              <a:t>để</a:t>
-            </a:r>
-            <a:r>
-              <a:rPr lang="en-US" dirty="0" smtClean="0"/>
-              <a:t> </a:t>
-            </a:r>
-            <a:r>
-              <a:rPr lang="en-US" dirty="0" err="1" smtClean="0"/>
-              <a:t>tạo</a:t>
-            </a:r>
-            <a:r>
-              <a:rPr lang="en-US" dirty="0" smtClean="0"/>
-              <a:t> </a:t>
-            </a:r>
-            <a:r>
-              <a:rPr lang="en-US" dirty="0" err="1" smtClean="0"/>
-              <a:t>nhiều</a:t>
-            </a:r>
-            <a:r>
-              <a:rPr lang="en-US" dirty="0" smtClean="0"/>
-              <a:t> instances </a:t>
-            </a:r>
-            <a:r>
-              <a:rPr lang="en-US" dirty="0" err="1" smtClean="0"/>
-              <a:t>của</a:t>
-            </a:r>
-            <a:r>
-              <a:rPr lang="en-US" dirty="0" smtClean="0"/>
-              <a:t> </a:t>
-            </a:r>
-            <a:r>
-              <a:rPr lang="en-US" dirty="0" err="1" smtClean="0"/>
-              <a:t>một</a:t>
-            </a:r>
-            <a:r>
-              <a:rPr lang="en-US" dirty="0" smtClean="0"/>
-              <a:t> object.</a:t>
-            </a:r>
-          </a:p>
-          <a:p>
-            <a:r>
-              <a:rPr lang="en-US" dirty="0" smtClean="0"/>
-              <a:t>Packages: </a:t>
-            </a:r>
-            <a:r>
-              <a:rPr lang="en-US" dirty="0" err="1" smtClean="0"/>
-              <a:t>là</a:t>
-            </a:r>
-            <a:r>
-              <a:rPr lang="en-US" dirty="0" smtClean="0"/>
-              <a:t> </a:t>
-            </a:r>
-            <a:r>
-              <a:rPr lang="en-US" dirty="0" err="1" smtClean="0"/>
-              <a:t>tập</a:t>
-            </a:r>
-            <a:r>
-              <a:rPr lang="en-US" dirty="0" smtClean="0"/>
-              <a:t> </a:t>
-            </a:r>
-            <a:r>
-              <a:rPr lang="en-US" dirty="0" err="1" smtClean="0"/>
-              <a:t>hợp</a:t>
-            </a:r>
-            <a:r>
-              <a:rPr lang="en-US" dirty="0" smtClean="0"/>
-              <a:t> </a:t>
-            </a:r>
-            <a:r>
-              <a:rPr lang="en-US" dirty="0" err="1" smtClean="0"/>
-              <a:t>các</a:t>
-            </a:r>
-            <a:r>
-              <a:rPr lang="en-US" dirty="0" smtClean="0"/>
-              <a:t> game objects, assets </a:t>
-            </a:r>
-            <a:r>
-              <a:rPr lang="en-US" dirty="0" err="1" smtClean="0"/>
-              <a:t>và</a:t>
-            </a:r>
-            <a:r>
-              <a:rPr lang="en-US" dirty="0" smtClean="0"/>
-              <a:t> </a:t>
-            </a:r>
-            <a:r>
-              <a:rPr lang="en-US" dirty="0" err="1" smtClean="0"/>
-              <a:t>các</a:t>
-            </a:r>
-            <a:r>
-              <a:rPr lang="en-US" dirty="0" smtClean="0"/>
-              <a:t> file meta-data </a:t>
-            </a:r>
-            <a:r>
-              <a:rPr lang="en-US" dirty="0" err="1" smtClean="0"/>
-              <a:t>liên</a:t>
-            </a:r>
-            <a:r>
-              <a:rPr lang="en-US" dirty="0" smtClean="0"/>
-              <a:t> </a:t>
-            </a:r>
-            <a:r>
-              <a:rPr lang="en-US" dirty="0" err="1" smtClean="0"/>
-              <a:t>quan</a:t>
-            </a:r>
-            <a:endParaRPr lang="en-US" dirty="0"/>
-          </a:p>
-        </p:txBody>
-      </p:sp>
+      </p:pic>
     </p:spTree>
     <p:extLst>
       <p:ext uri="{BB962C8B-B14F-4D97-AF65-F5344CB8AC3E}">
-        <p14:creationId xmlns:p14="http://schemas.microsoft.com/office/powerpoint/2010/main" val="201155286"/>
+        <p14:creationId xmlns:p14="http://schemas.microsoft.com/office/powerpoint/2010/main" val="3142562540"/>
       </p:ext>
     </p:extLst>
   </p:cSld>
   <p:clrMapOvr>
     <a:masterClrMapping/>
   </p:clrMapOvr>
-  <p:timing>
-    <p:tnLst>
-      <p:par>
-        <p:cTn id="1" dur="indefinite" restart="never" nodeType="tmRoot"/>
-      </p:par>
-    </p:tnLst>
-  </p:timing>
 </p:sld>
 </file>
 
